--- a/Graphs/DFA/DFA Drawing/29.pptx
+++ b/Graphs/DFA/DFA Drawing/29.pptx
@@ -2,19 +2,18 @@
 <file path=ppt/presentation.xml><?xml version="1.0" encoding="utf-8"?>
 <p:presentation xmlns:a="http://schemas.openxmlformats.org/drawingml/2006/main" xmlns:r="http://schemas.openxmlformats.org/officeDocument/2006/relationships" xmlns:p="http://schemas.openxmlformats.org/presentationml/2006/main" saveSubsetFonts="1">
   <p:sldMasterIdLst>
-    <p:sldMasterId id="2147483660" r:id="rId1"/>
+    <p:sldMasterId id="2147483648" r:id="rId1"/>
   </p:sldMasterIdLst>
   <p:sldIdLst>
     <p:sldId id="256" r:id="rId2"/>
-    <p:sldId id="257" r:id="rId3"/>
   </p:sldIdLst>
-  <p:sldSz cx="16002000" cy="6858000"/>
+  <p:sldSz cx="12192000" cy="6858000"/>
   <p:notesSz cx="6858000" cy="9144000"/>
   <p:defaultTextStyle>
     <a:defPPr>
       <a:defRPr lang="en-US"/>
     </a:defPPr>
-    <a:lvl1pPr marL="0" algn="l" defTabSz="457200" rtl="0" eaLnBrk="1" latinLnBrk="0" hangingPunct="1">
+    <a:lvl1pPr marL="0" algn="l" defTabSz="914251" rtl="0" eaLnBrk="1" latinLnBrk="0" hangingPunct="1">
       <a:defRPr sz="1800" kern="1200">
         <a:solidFill>
           <a:schemeClr val="tx1"/>
@@ -24,7 +23,7 @@
         <a:cs typeface="+mn-cs"/>
       </a:defRPr>
     </a:lvl1pPr>
-    <a:lvl2pPr marL="457200" algn="l" defTabSz="457200" rtl="0" eaLnBrk="1" latinLnBrk="0" hangingPunct="1">
+    <a:lvl2pPr marL="457125" algn="l" defTabSz="914251" rtl="0" eaLnBrk="1" latinLnBrk="0" hangingPunct="1">
       <a:defRPr sz="1800" kern="1200">
         <a:solidFill>
           <a:schemeClr val="tx1"/>
@@ -34,7 +33,7 @@
         <a:cs typeface="+mn-cs"/>
       </a:defRPr>
     </a:lvl2pPr>
-    <a:lvl3pPr marL="914400" algn="l" defTabSz="457200" rtl="0" eaLnBrk="1" latinLnBrk="0" hangingPunct="1">
+    <a:lvl3pPr marL="914251" algn="l" defTabSz="914251" rtl="0" eaLnBrk="1" latinLnBrk="0" hangingPunct="1">
       <a:defRPr sz="1800" kern="1200">
         <a:solidFill>
           <a:schemeClr val="tx1"/>
@@ -44,7 +43,7 @@
         <a:cs typeface="+mn-cs"/>
       </a:defRPr>
     </a:lvl3pPr>
-    <a:lvl4pPr marL="1371600" algn="l" defTabSz="457200" rtl="0" eaLnBrk="1" latinLnBrk="0" hangingPunct="1">
+    <a:lvl4pPr marL="1371376" algn="l" defTabSz="914251" rtl="0" eaLnBrk="1" latinLnBrk="0" hangingPunct="1">
       <a:defRPr sz="1800" kern="1200">
         <a:solidFill>
           <a:schemeClr val="tx1"/>
@@ -54,7 +53,7 @@
         <a:cs typeface="+mn-cs"/>
       </a:defRPr>
     </a:lvl4pPr>
-    <a:lvl5pPr marL="1828800" algn="l" defTabSz="457200" rtl="0" eaLnBrk="1" latinLnBrk="0" hangingPunct="1">
+    <a:lvl5pPr marL="1828501" algn="l" defTabSz="914251" rtl="0" eaLnBrk="1" latinLnBrk="0" hangingPunct="1">
       <a:defRPr sz="1800" kern="1200">
         <a:solidFill>
           <a:schemeClr val="tx1"/>
@@ -64,7 +63,7 @@
         <a:cs typeface="+mn-cs"/>
       </a:defRPr>
     </a:lvl5pPr>
-    <a:lvl6pPr marL="2286000" algn="l" defTabSz="457200" rtl="0" eaLnBrk="1" latinLnBrk="0" hangingPunct="1">
+    <a:lvl6pPr marL="2285627" algn="l" defTabSz="914251" rtl="0" eaLnBrk="1" latinLnBrk="0" hangingPunct="1">
       <a:defRPr sz="1800" kern="1200">
         <a:solidFill>
           <a:schemeClr val="tx1"/>
@@ -74,7 +73,7 @@
         <a:cs typeface="+mn-cs"/>
       </a:defRPr>
     </a:lvl6pPr>
-    <a:lvl7pPr marL="2743200" algn="l" defTabSz="457200" rtl="0" eaLnBrk="1" latinLnBrk="0" hangingPunct="1">
+    <a:lvl7pPr marL="2742752" algn="l" defTabSz="914251" rtl="0" eaLnBrk="1" latinLnBrk="0" hangingPunct="1">
       <a:defRPr sz="1800" kern="1200">
         <a:solidFill>
           <a:schemeClr val="tx1"/>
@@ -84,7 +83,7 @@
         <a:cs typeface="+mn-cs"/>
       </a:defRPr>
     </a:lvl7pPr>
-    <a:lvl8pPr marL="3200400" algn="l" defTabSz="457200" rtl="0" eaLnBrk="1" latinLnBrk="0" hangingPunct="1">
+    <a:lvl8pPr marL="3199877" algn="l" defTabSz="914251" rtl="0" eaLnBrk="1" latinLnBrk="0" hangingPunct="1">
       <a:defRPr sz="1800" kern="1200">
         <a:solidFill>
           <a:schemeClr val="tx1"/>
@@ -94,7 +93,7 @@
         <a:cs typeface="+mn-cs"/>
       </a:defRPr>
     </a:lvl8pPr>
-    <a:lvl9pPr marL="3657600" algn="l" defTabSz="457200" rtl="0" eaLnBrk="1" latinLnBrk="0" hangingPunct="1">
+    <a:lvl9pPr marL="3657003" algn="l" defTabSz="914251" rtl="0" eaLnBrk="1" latinLnBrk="0" hangingPunct="1">
       <a:defRPr sz="1800" kern="1200">
         <a:solidFill>
           <a:schemeClr val="tx1"/>
@@ -132,7 +131,13 @@
       </p:grpSpPr>
       <p:sp>
         <p:nvSpPr>
-          <p:cNvPr id="2" name="Title 1"/>
+          <p:cNvPr id="2" name="Title 1">
+            <a:extLst>
+              <a:ext uri="{FF2B5EF4-FFF2-40B4-BE49-F238E27FC236}">
+                <a16:creationId xmlns:a16="http://schemas.microsoft.com/office/drawing/2014/main" id="{212562D2-9BAB-FCDF-EB8E-843499713C10}"/>
+              </a:ext>
+            </a:extLst>
+          </p:cNvPr>
           <p:cNvSpPr>
             <a:spLocks noGrp="1"/>
           </p:cNvSpPr>
@@ -142,8 +147,8 @@
         </p:nvSpPr>
         <p:spPr>
           <a:xfrm>
-            <a:off x="2000250" y="1122363"/>
-            <a:ext cx="12001500" cy="2387600"/>
+            <a:off x="1524000" y="1122363"/>
+            <a:ext cx="9144000" cy="2387600"/>
           </a:xfrm>
         </p:spPr>
         <p:txBody>
@@ -158,13 +163,18 @@
               <a:rPr lang="en-US"/>
               <a:t>Click to edit Master title style</a:t>
             </a:r>
-            <a:endParaRPr lang="en-US" dirty="0"/>
-          </a:p>
-        </p:txBody>
-      </p:sp>
-      <p:sp>
-        <p:nvSpPr>
-          <p:cNvPr id="3" name="Subtitle 2"/>
+          </a:p>
+        </p:txBody>
+      </p:sp>
+      <p:sp>
+        <p:nvSpPr>
+          <p:cNvPr id="3" name="Subtitle 2">
+            <a:extLst>
+              <a:ext uri="{FF2B5EF4-FFF2-40B4-BE49-F238E27FC236}">
+                <a16:creationId xmlns:a16="http://schemas.microsoft.com/office/drawing/2014/main" id="{5889C4B3-2DE6-722F-5E7D-8D76EFA3D89B}"/>
+              </a:ext>
+            </a:extLst>
+          </p:cNvPr>
           <p:cNvSpPr>
             <a:spLocks noGrp="1"/>
           </p:cNvSpPr>
@@ -174,8 +184,8 @@
         </p:nvSpPr>
         <p:spPr>
           <a:xfrm>
-            <a:off x="2000250" y="3602038"/>
-            <a:ext cx="12001500" cy="1655762"/>
+            <a:off x="1524000" y="3602038"/>
+            <a:ext cx="9144000" cy="1655762"/>
           </a:xfrm>
         </p:spPr>
         <p:txBody>
@@ -189,31 +199,31 @@
               <a:buNone/>
               <a:defRPr sz="2000"/>
             </a:lvl2pPr>
-            <a:lvl3pPr marL="914400" indent="0" algn="ctr">
+            <a:lvl3pPr marL="914399" indent="0" algn="ctr">
               <a:buNone/>
               <a:defRPr sz="1800"/>
             </a:lvl3pPr>
-            <a:lvl4pPr marL="1371600" indent="0" algn="ctr">
+            <a:lvl4pPr marL="1371599" indent="0" algn="ctr">
               <a:buNone/>
               <a:defRPr sz="1600"/>
             </a:lvl4pPr>
-            <a:lvl5pPr marL="1828800" indent="0" algn="ctr">
+            <a:lvl5pPr marL="1828798" indent="0" algn="ctr">
               <a:buNone/>
               <a:defRPr sz="1600"/>
             </a:lvl5pPr>
-            <a:lvl6pPr marL="2286000" indent="0" algn="ctr">
+            <a:lvl6pPr marL="2285998" indent="0" algn="ctr">
               <a:buNone/>
               <a:defRPr sz="1600"/>
             </a:lvl6pPr>
-            <a:lvl7pPr marL="2743200" indent="0" algn="ctr">
+            <a:lvl7pPr marL="2743197" indent="0" algn="ctr">
               <a:buNone/>
               <a:defRPr sz="1600"/>
             </a:lvl7pPr>
-            <a:lvl8pPr marL="3200400" indent="0" algn="ctr">
+            <a:lvl8pPr marL="3200397" indent="0" algn="ctr">
               <a:buNone/>
               <a:defRPr sz="1600"/>
             </a:lvl8pPr>
-            <a:lvl9pPr marL="3657600" indent="0" algn="ctr">
+            <a:lvl9pPr marL="3657596" indent="0" algn="ctr">
               <a:buNone/>
               <a:defRPr sz="1600"/>
             </a:lvl9pPr>
@@ -223,13 +233,18 @@
               <a:rPr lang="en-US"/>
               <a:t>Click to edit Master subtitle style</a:t>
             </a:r>
-            <a:endParaRPr lang="en-US" dirty="0"/>
-          </a:p>
-        </p:txBody>
-      </p:sp>
-      <p:sp>
-        <p:nvSpPr>
-          <p:cNvPr id="4" name="Date Placeholder 3"/>
+          </a:p>
+        </p:txBody>
+      </p:sp>
+      <p:sp>
+        <p:nvSpPr>
+          <p:cNvPr id="4" name="Date Placeholder 3">
+            <a:extLst>
+              <a:ext uri="{FF2B5EF4-FFF2-40B4-BE49-F238E27FC236}">
+                <a16:creationId xmlns:a16="http://schemas.microsoft.com/office/drawing/2014/main" id="{D515C10C-7FD5-DE65-BD8A-AFE58724EE5E}"/>
+              </a:ext>
+            </a:extLst>
+          </p:cNvPr>
           <p:cNvSpPr>
             <a:spLocks noGrp="1"/>
           </p:cNvSpPr>
@@ -244,7 +259,7 @@
           <a:p>
             <a:fld id="{730B001D-5C24-4F6D-9C38-E108FFB43397}" type="datetimeFigureOut">
               <a:rPr lang="en-US" smtClean="0"/>
-              <a:t>5/14/2022</a:t>
+              <a:t>14-May-22</a:t>
             </a:fld>
             <a:endParaRPr lang="en-US"/>
           </a:p>
@@ -252,7 +267,13 @@
       </p:sp>
       <p:sp>
         <p:nvSpPr>
-          <p:cNvPr id="5" name="Footer Placeholder 4"/>
+          <p:cNvPr id="5" name="Footer Placeholder 4">
+            <a:extLst>
+              <a:ext uri="{FF2B5EF4-FFF2-40B4-BE49-F238E27FC236}">
+                <a16:creationId xmlns:a16="http://schemas.microsoft.com/office/drawing/2014/main" id="{95635314-DE2D-17DF-E0C8-D3A6D863CA46}"/>
+              </a:ext>
+            </a:extLst>
+          </p:cNvPr>
           <p:cNvSpPr>
             <a:spLocks noGrp="1"/>
           </p:cNvSpPr>
@@ -271,7 +292,13 @@
       </p:sp>
       <p:sp>
         <p:nvSpPr>
-          <p:cNvPr id="6" name="Slide Number Placeholder 5"/>
+          <p:cNvPr id="6" name="Slide Number Placeholder 5">
+            <a:extLst>
+              <a:ext uri="{FF2B5EF4-FFF2-40B4-BE49-F238E27FC236}">
+                <a16:creationId xmlns:a16="http://schemas.microsoft.com/office/drawing/2014/main" id="{F16E7CFB-E4BD-EC1E-44B1-477F00E1CD74}"/>
+              </a:ext>
+            </a:extLst>
+          </p:cNvPr>
           <p:cNvSpPr>
             <a:spLocks noGrp="1"/>
           </p:cNvSpPr>
@@ -295,7 +322,7 @@
     </p:spTree>
     <p:extLst>
       <p:ext uri="{BB962C8B-B14F-4D97-AF65-F5344CB8AC3E}">
-        <p14:creationId xmlns:p14="http://schemas.microsoft.com/office/powerpoint/2010/main" val="2214559836"/>
+        <p14:creationId xmlns:p14="http://schemas.microsoft.com/office/powerpoint/2010/main" val="1518293595"/>
       </p:ext>
     </p:extLst>
   </p:cSld>
@@ -324,7 +351,13 @@
       </p:grpSpPr>
       <p:sp>
         <p:nvSpPr>
-          <p:cNvPr id="2" name="Title 1"/>
+          <p:cNvPr id="2" name="Title 1">
+            <a:extLst>
+              <a:ext uri="{FF2B5EF4-FFF2-40B4-BE49-F238E27FC236}">
+                <a16:creationId xmlns:a16="http://schemas.microsoft.com/office/drawing/2014/main" id="{11E58C55-40A8-96F4-278D-7E7BE4572940}"/>
+              </a:ext>
+            </a:extLst>
+          </p:cNvPr>
           <p:cNvSpPr>
             <a:spLocks noGrp="1"/>
           </p:cNvSpPr>
@@ -341,13 +374,18 @@
               <a:rPr lang="en-US"/>
               <a:t>Click to edit Master title style</a:t>
             </a:r>
-            <a:endParaRPr lang="en-US" dirty="0"/>
-          </a:p>
-        </p:txBody>
-      </p:sp>
-      <p:sp>
-        <p:nvSpPr>
-          <p:cNvPr id="3" name="Vertical Text Placeholder 2"/>
+          </a:p>
+        </p:txBody>
+      </p:sp>
+      <p:sp>
+        <p:nvSpPr>
+          <p:cNvPr id="3" name="Vertical Text Placeholder 2">
+            <a:extLst>
+              <a:ext uri="{FF2B5EF4-FFF2-40B4-BE49-F238E27FC236}">
+                <a16:creationId xmlns:a16="http://schemas.microsoft.com/office/drawing/2014/main" id="{BDF3FD53-E280-E469-40CB-A3C3B913549B}"/>
+              </a:ext>
+            </a:extLst>
+          </p:cNvPr>
           <p:cNvSpPr>
             <a:spLocks noGrp="1"/>
           </p:cNvSpPr>
@@ -363,7 +401,7 @@
             <a:pPr lvl="0"/>
             <a:r>
               <a:rPr lang="en-US"/>
-              <a:t>Edit Master text styles</a:t>
+              <a:t>Click to edit Master text styles</a:t>
             </a:r>
           </a:p>
           <a:p>
@@ -393,13 +431,18 @@
               <a:rPr lang="en-US"/>
               <a:t>Fifth level</a:t>
             </a:r>
-            <a:endParaRPr lang="en-US" dirty="0"/>
-          </a:p>
-        </p:txBody>
-      </p:sp>
-      <p:sp>
-        <p:nvSpPr>
-          <p:cNvPr id="4" name="Date Placeholder 3"/>
+          </a:p>
+        </p:txBody>
+      </p:sp>
+      <p:sp>
+        <p:nvSpPr>
+          <p:cNvPr id="4" name="Date Placeholder 3">
+            <a:extLst>
+              <a:ext uri="{FF2B5EF4-FFF2-40B4-BE49-F238E27FC236}">
+                <a16:creationId xmlns:a16="http://schemas.microsoft.com/office/drawing/2014/main" id="{0BEC6824-FB18-C563-F853-0A3E319FBB8B}"/>
+              </a:ext>
+            </a:extLst>
+          </p:cNvPr>
           <p:cNvSpPr>
             <a:spLocks noGrp="1"/>
           </p:cNvSpPr>
@@ -414,7 +457,7 @@
           <a:p>
             <a:fld id="{730B001D-5C24-4F6D-9C38-E108FFB43397}" type="datetimeFigureOut">
               <a:rPr lang="en-US" smtClean="0"/>
-              <a:t>5/14/2022</a:t>
+              <a:t>14-May-22</a:t>
             </a:fld>
             <a:endParaRPr lang="en-US"/>
           </a:p>
@@ -422,7 +465,13 @@
       </p:sp>
       <p:sp>
         <p:nvSpPr>
-          <p:cNvPr id="5" name="Footer Placeholder 4"/>
+          <p:cNvPr id="5" name="Footer Placeholder 4">
+            <a:extLst>
+              <a:ext uri="{FF2B5EF4-FFF2-40B4-BE49-F238E27FC236}">
+                <a16:creationId xmlns:a16="http://schemas.microsoft.com/office/drawing/2014/main" id="{9E9DC319-47E1-1B21-088F-35F2EA47A76B}"/>
+              </a:ext>
+            </a:extLst>
+          </p:cNvPr>
           <p:cNvSpPr>
             <a:spLocks noGrp="1"/>
           </p:cNvSpPr>
@@ -441,7 +490,13 @@
       </p:sp>
       <p:sp>
         <p:nvSpPr>
-          <p:cNvPr id="6" name="Slide Number Placeholder 5"/>
+          <p:cNvPr id="6" name="Slide Number Placeholder 5">
+            <a:extLst>
+              <a:ext uri="{FF2B5EF4-FFF2-40B4-BE49-F238E27FC236}">
+                <a16:creationId xmlns:a16="http://schemas.microsoft.com/office/drawing/2014/main" id="{A15CCB8F-2890-9BC3-2D8C-AE6BD2802380}"/>
+              </a:ext>
+            </a:extLst>
+          </p:cNvPr>
           <p:cNvSpPr>
             <a:spLocks noGrp="1"/>
           </p:cNvSpPr>
@@ -465,7 +520,7 @@
     </p:spTree>
     <p:extLst>
       <p:ext uri="{BB962C8B-B14F-4D97-AF65-F5344CB8AC3E}">
-        <p14:creationId xmlns:p14="http://schemas.microsoft.com/office/powerpoint/2010/main" val="1281535186"/>
+        <p14:creationId xmlns:p14="http://schemas.microsoft.com/office/powerpoint/2010/main" val="3387117173"/>
       </p:ext>
     </p:extLst>
   </p:cSld>
@@ -494,7 +549,13 @@
       </p:grpSpPr>
       <p:sp>
         <p:nvSpPr>
-          <p:cNvPr id="2" name="Vertical Title 1"/>
+          <p:cNvPr id="2" name="Vertical Title 1">
+            <a:extLst>
+              <a:ext uri="{FF2B5EF4-FFF2-40B4-BE49-F238E27FC236}">
+                <a16:creationId xmlns:a16="http://schemas.microsoft.com/office/drawing/2014/main" id="{13BDCB1C-AC43-E273-623A-61BB9ECB66BA}"/>
+              </a:ext>
+            </a:extLst>
+          </p:cNvPr>
           <p:cNvSpPr>
             <a:spLocks noGrp="1"/>
           </p:cNvSpPr>
@@ -504,8 +565,8 @@
         </p:nvSpPr>
         <p:spPr>
           <a:xfrm>
-            <a:off x="11451431" y="365125"/>
-            <a:ext cx="3450431" cy="5811838"/>
+            <a:off x="8724900" y="365125"/>
+            <a:ext cx="2628900" cy="5811838"/>
           </a:xfrm>
         </p:spPr>
         <p:txBody>
@@ -516,13 +577,18 @@
               <a:rPr lang="en-US"/>
               <a:t>Click to edit Master title style</a:t>
             </a:r>
-            <a:endParaRPr lang="en-US" dirty="0"/>
-          </a:p>
-        </p:txBody>
-      </p:sp>
-      <p:sp>
-        <p:nvSpPr>
-          <p:cNvPr id="3" name="Vertical Text Placeholder 2"/>
+          </a:p>
+        </p:txBody>
+      </p:sp>
+      <p:sp>
+        <p:nvSpPr>
+          <p:cNvPr id="3" name="Vertical Text Placeholder 2">
+            <a:extLst>
+              <a:ext uri="{FF2B5EF4-FFF2-40B4-BE49-F238E27FC236}">
+                <a16:creationId xmlns:a16="http://schemas.microsoft.com/office/drawing/2014/main" id="{B97692E6-35F1-1F82-9C14-C373189102F3}"/>
+              </a:ext>
+            </a:extLst>
+          </p:cNvPr>
           <p:cNvSpPr>
             <a:spLocks noGrp="1"/>
           </p:cNvSpPr>
@@ -532,8 +598,8 @@
         </p:nvSpPr>
         <p:spPr>
           <a:xfrm>
-            <a:off x="1100137" y="365125"/>
-            <a:ext cx="10151269" cy="5811838"/>
+            <a:off x="838200" y="365125"/>
+            <a:ext cx="7734300" cy="5811838"/>
           </a:xfrm>
         </p:spPr>
         <p:txBody>
@@ -543,7 +609,7 @@
             <a:pPr lvl="0"/>
             <a:r>
               <a:rPr lang="en-US"/>
-              <a:t>Edit Master text styles</a:t>
+              <a:t>Click to edit Master text styles</a:t>
             </a:r>
           </a:p>
           <a:p>
@@ -573,13 +639,18 @@
               <a:rPr lang="en-US"/>
               <a:t>Fifth level</a:t>
             </a:r>
-            <a:endParaRPr lang="en-US" dirty="0"/>
-          </a:p>
-        </p:txBody>
-      </p:sp>
-      <p:sp>
-        <p:nvSpPr>
-          <p:cNvPr id="4" name="Date Placeholder 3"/>
+          </a:p>
+        </p:txBody>
+      </p:sp>
+      <p:sp>
+        <p:nvSpPr>
+          <p:cNvPr id="4" name="Date Placeholder 3">
+            <a:extLst>
+              <a:ext uri="{FF2B5EF4-FFF2-40B4-BE49-F238E27FC236}">
+                <a16:creationId xmlns:a16="http://schemas.microsoft.com/office/drawing/2014/main" id="{3F527789-AFBD-5DA3-8DEB-1AEA884C326B}"/>
+              </a:ext>
+            </a:extLst>
+          </p:cNvPr>
           <p:cNvSpPr>
             <a:spLocks noGrp="1"/>
           </p:cNvSpPr>
@@ -594,7 +665,7 @@
           <a:p>
             <a:fld id="{730B001D-5C24-4F6D-9C38-E108FFB43397}" type="datetimeFigureOut">
               <a:rPr lang="en-US" smtClean="0"/>
-              <a:t>5/14/2022</a:t>
+              <a:t>14-May-22</a:t>
             </a:fld>
             <a:endParaRPr lang="en-US"/>
           </a:p>
@@ -602,7 +673,13 @@
       </p:sp>
       <p:sp>
         <p:nvSpPr>
-          <p:cNvPr id="5" name="Footer Placeholder 4"/>
+          <p:cNvPr id="5" name="Footer Placeholder 4">
+            <a:extLst>
+              <a:ext uri="{FF2B5EF4-FFF2-40B4-BE49-F238E27FC236}">
+                <a16:creationId xmlns:a16="http://schemas.microsoft.com/office/drawing/2014/main" id="{F1368A28-7B81-B928-3313-FF809D7D7A76}"/>
+              </a:ext>
+            </a:extLst>
+          </p:cNvPr>
           <p:cNvSpPr>
             <a:spLocks noGrp="1"/>
           </p:cNvSpPr>
@@ -621,7 +698,13 @@
       </p:sp>
       <p:sp>
         <p:nvSpPr>
-          <p:cNvPr id="6" name="Slide Number Placeholder 5"/>
+          <p:cNvPr id="6" name="Slide Number Placeholder 5">
+            <a:extLst>
+              <a:ext uri="{FF2B5EF4-FFF2-40B4-BE49-F238E27FC236}">
+                <a16:creationId xmlns:a16="http://schemas.microsoft.com/office/drawing/2014/main" id="{DDA22DA7-3C15-85F0-6C29-F59BCA50C19D}"/>
+              </a:ext>
+            </a:extLst>
+          </p:cNvPr>
           <p:cNvSpPr>
             <a:spLocks noGrp="1"/>
           </p:cNvSpPr>
@@ -645,7 +728,7 @@
     </p:spTree>
     <p:extLst>
       <p:ext uri="{BB962C8B-B14F-4D97-AF65-F5344CB8AC3E}">
-        <p14:creationId xmlns:p14="http://schemas.microsoft.com/office/powerpoint/2010/main" val="4151849885"/>
+        <p14:creationId xmlns:p14="http://schemas.microsoft.com/office/powerpoint/2010/main" val="2654410894"/>
       </p:ext>
     </p:extLst>
   </p:cSld>
@@ -674,7 +757,13 @@
       </p:grpSpPr>
       <p:sp>
         <p:nvSpPr>
-          <p:cNvPr id="2" name="Title 1"/>
+          <p:cNvPr id="2" name="Title 1">
+            <a:extLst>
+              <a:ext uri="{FF2B5EF4-FFF2-40B4-BE49-F238E27FC236}">
+                <a16:creationId xmlns:a16="http://schemas.microsoft.com/office/drawing/2014/main" id="{BD2043AB-4FBF-5A24-49A6-36BD580A18E5}"/>
+              </a:ext>
+            </a:extLst>
+          </p:cNvPr>
           <p:cNvSpPr>
             <a:spLocks noGrp="1"/>
           </p:cNvSpPr>
@@ -691,13 +780,18 @@
               <a:rPr lang="en-US"/>
               <a:t>Click to edit Master title style</a:t>
             </a:r>
-            <a:endParaRPr lang="en-US" dirty="0"/>
-          </a:p>
-        </p:txBody>
-      </p:sp>
-      <p:sp>
-        <p:nvSpPr>
-          <p:cNvPr id="3" name="Content Placeholder 2"/>
+          </a:p>
+        </p:txBody>
+      </p:sp>
+      <p:sp>
+        <p:nvSpPr>
+          <p:cNvPr id="3" name="Content Placeholder 2">
+            <a:extLst>
+              <a:ext uri="{FF2B5EF4-FFF2-40B4-BE49-F238E27FC236}">
+                <a16:creationId xmlns:a16="http://schemas.microsoft.com/office/drawing/2014/main" id="{96D60963-2D1C-6C4E-85C1-403FC4EE3087}"/>
+              </a:ext>
+            </a:extLst>
+          </p:cNvPr>
           <p:cNvSpPr>
             <a:spLocks noGrp="1"/>
           </p:cNvSpPr>
@@ -713,7 +807,7 @@
             <a:pPr lvl="0"/>
             <a:r>
               <a:rPr lang="en-US"/>
-              <a:t>Edit Master text styles</a:t>
+              <a:t>Click to edit Master text styles</a:t>
             </a:r>
           </a:p>
           <a:p>
@@ -743,13 +837,18 @@
               <a:rPr lang="en-US"/>
               <a:t>Fifth level</a:t>
             </a:r>
-            <a:endParaRPr lang="en-US" dirty="0"/>
-          </a:p>
-        </p:txBody>
-      </p:sp>
-      <p:sp>
-        <p:nvSpPr>
-          <p:cNvPr id="4" name="Date Placeholder 3"/>
+          </a:p>
+        </p:txBody>
+      </p:sp>
+      <p:sp>
+        <p:nvSpPr>
+          <p:cNvPr id="4" name="Date Placeholder 3">
+            <a:extLst>
+              <a:ext uri="{FF2B5EF4-FFF2-40B4-BE49-F238E27FC236}">
+                <a16:creationId xmlns:a16="http://schemas.microsoft.com/office/drawing/2014/main" id="{1954BE61-0C26-E0F9-E898-3EA192204F3A}"/>
+              </a:ext>
+            </a:extLst>
+          </p:cNvPr>
           <p:cNvSpPr>
             <a:spLocks noGrp="1"/>
           </p:cNvSpPr>
@@ -764,7 +863,7 @@
           <a:p>
             <a:fld id="{730B001D-5C24-4F6D-9C38-E108FFB43397}" type="datetimeFigureOut">
               <a:rPr lang="en-US" smtClean="0"/>
-              <a:t>5/14/2022</a:t>
+              <a:t>14-May-22</a:t>
             </a:fld>
             <a:endParaRPr lang="en-US"/>
           </a:p>
@@ -772,7 +871,13 @@
       </p:sp>
       <p:sp>
         <p:nvSpPr>
-          <p:cNvPr id="5" name="Footer Placeholder 4"/>
+          <p:cNvPr id="5" name="Footer Placeholder 4">
+            <a:extLst>
+              <a:ext uri="{FF2B5EF4-FFF2-40B4-BE49-F238E27FC236}">
+                <a16:creationId xmlns:a16="http://schemas.microsoft.com/office/drawing/2014/main" id="{FA2D3A26-411D-72E6-AF2F-CF2924C7F216}"/>
+              </a:ext>
+            </a:extLst>
+          </p:cNvPr>
           <p:cNvSpPr>
             <a:spLocks noGrp="1"/>
           </p:cNvSpPr>
@@ -791,7 +896,13 @@
       </p:sp>
       <p:sp>
         <p:nvSpPr>
-          <p:cNvPr id="6" name="Slide Number Placeholder 5"/>
+          <p:cNvPr id="6" name="Slide Number Placeholder 5">
+            <a:extLst>
+              <a:ext uri="{FF2B5EF4-FFF2-40B4-BE49-F238E27FC236}">
+                <a16:creationId xmlns:a16="http://schemas.microsoft.com/office/drawing/2014/main" id="{A3748BE0-A8B1-2F00-5297-6E12007CAFF1}"/>
+              </a:ext>
+            </a:extLst>
+          </p:cNvPr>
           <p:cNvSpPr>
             <a:spLocks noGrp="1"/>
           </p:cNvSpPr>
@@ -815,7 +926,7 @@
     </p:spTree>
     <p:extLst>
       <p:ext uri="{BB962C8B-B14F-4D97-AF65-F5344CB8AC3E}">
-        <p14:creationId xmlns:p14="http://schemas.microsoft.com/office/powerpoint/2010/main" val="24645154"/>
+        <p14:creationId xmlns:p14="http://schemas.microsoft.com/office/powerpoint/2010/main" val="1799202329"/>
       </p:ext>
     </p:extLst>
   </p:cSld>
@@ -844,7 +955,13 @@
       </p:grpSpPr>
       <p:sp>
         <p:nvSpPr>
-          <p:cNvPr id="2" name="Title 1"/>
+          <p:cNvPr id="2" name="Title 1">
+            <a:extLst>
+              <a:ext uri="{FF2B5EF4-FFF2-40B4-BE49-F238E27FC236}">
+                <a16:creationId xmlns:a16="http://schemas.microsoft.com/office/drawing/2014/main" id="{3DD44038-3A5D-647D-1CF5-0D3767FDFA83}"/>
+              </a:ext>
+            </a:extLst>
+          </p:cNvPr>
           <p:cNvSpPr>
             <a:spLocks noGrp="1"/>
           </p:cNvSpPr>
@@ -854,8 +971,8 @@
         </p:nvSpPr>
         <p:spPr>
           <a:xfrm>
-            <a:off x="1091803" y="1709739"/>
-            <a:ext cx="13801725" cy="2852737"/>
+            <a:off x="831850" y="1709739"/>
+            <a:ext cx="10515600" cy="2852737"/>
           </a:xfrm>
         </p:spPr>
         <p:txBody>
@@ -870,13 +987,18 @@
               <a:rPr lang="en-US"/>
               <a:t>Click to edit Master title style</a:t>
             </a:r>
-            <a:endParaRPr lang="en-US" dirty="0"/>
-          </a:p>
-        </p:txBody>
-      </p:sp>
-      <p:sp>
-        <p:nvSpPr>
-          <p:cNvPr id="3" name="Text Placeholder 2"/>
+          </a:p>
+        </p:txBody>
+      </p:sp>
+      <p:sp>
+        <p:nvSpPr>
+          <p:cNvPr id="3" name="Text Placeholder 2">
+            <a:extLst>
+              <a:ext uri="{FF2B5EF4-FFF2-40B4-BE49-F238E27FC236}">
+                <a16:creationId xmlns:a16="http://schemas.microsoft.com/office/drawing/2014/main" id="{30F2F1AE-14AA-1A11-3BA7-CE8EB9629FC5}"/>
+              </a:ext>
+            </a:extLst>
+          </p:cNvPr>
           <p:cNvSpPr>
             <a:spLocks noGrp="1"/>
           </p:cNvSpPr>
@@ -886,8 +1008,8 @@
         </p:nvSpPr>
         <p:spPr>
           <a:xfrm>
-            <a:off x="1091803" y="4589464"/>
-            <a:ext cx="13801725" cy="1500187"/>
+            <a:off x="831850" y="4589463"/>
+            <a:ext cx="10515600" cy="1500187"/>
           </a:xfrm>
         </p:spPr>
         <p:txBody>
@@ -913,7 +1035,7 @@
                 </a:solidFill>
               </a:defRPr>
             </a:lvl2pPr>
-            <a:lvl3pPr marL="914400" indent="0">
+            <a:lvl3pPr marL="914399" indent="0">
               <a:buNone/>
               <a:defRPr sz="1800">
                 <a:solidFill>
@@ -923,7 +1045,7 @@
                 </a:solidFill>
               </a:defRPr>
             </a:lvl3pPr>
-            <a:lvl4pPr marL="1371600" indent="0">
+            <a:lvl4pPr marL="1371599" indent="0">
               <a:buNone/>
               <a:defRPr sz="1600">
                 <a:solidFill>
@@ -933,7 +1055,7 @@
                 </a:solidFill>
               </a:defRPr>
             </a:lvl4pPr>
-            <a:lvl5pPr marL="1828800" indent="0">
+            <a:lvl5pPr marL="1828798" indent="0">
               <a:buNone/>
               <a:defRPr sz="1600">
                 <a:solidFill>
@@ -943,7 +1065,7 @@
                 </a:solidFill>
               </a:defRPr>
             </a:lvl5pPr>
-            <a:lvl6pPr marL="2286000" indent="0">
+            <a:lvl6pPr marL="2285998" indent="0">
               <a:buNone/>
               <a:defRPr sz="1600">
                 <a:solidFill>
@@ -953,7 +1075,7 @@
                 </a:solidFill>
               </a:defRPr>
             </a:lvl6pPr>
-            <a:lvl7pPr marL="2743200" indent="0">
+            <a:lvl7pPr marL="2743197" indent="0">
               <a:buNone/>
               <a:defRPr sz="1600">
                 <a:solidFill>
@@ -963,7 +1085,7 @@
                 </a:solidFill>
               </a:defRPr>
             </a:lvl7pPr>
-            <a:lvl8pPr marL="3200400" indent="0">
+            <a:lvl8pPr marL="3200397" indent="0">
               <a:buNone/>
               <a:defRPr sz="1600">
                 <a:solidFill>
@@ -973,7 +1095,7 @@
                 </a:solidFill>
               </a:defRPr>
             </a:lvl8pPr>
-            <a:lvl9pPr marL="3657600" indent="0">
+            <a:lvl9pPr marL="3657596" indent="0">
               <a:buNone/>
               <a:defRPr sz="1600">
                 <a:solidFill>
@@ -988,14 +1110,20 @@
             <a:pPr lvl="0"/>
             <a:r>
               <a:rPr lang="en-US"/>
-              <a:t>Edit Master text styles</a:t>
-            </a:r>
-          </a:p>
-        </p:txBody>
-      </p:sp>
-      <p:sp>
-        <p:nvSpPr>
-          <p:cNvPr id="4" name="Date Placeholder 3"/>
+              <a:t>Click to edit Master text styles</a:t>
+            </a:r>
+          </a:p>
+        </p:txBody>
+      </p:sp>
+      <p:sp>
+        <p:nvSpPr>
+          <p:cNvPr id="4" name="Date Placeholder 3">
+            <a:extLst>
+              <a:ext uri="{FF2B5EF4-FFF2-40B4-BE49-F238E27FC236}">
+                <a16:creationId xmlns:a16="http://schemas.microsoft.com/office/drawing/2014/main" id="{8B88B47A-5414-4D31-C813-C72B4CF01149}"/>
+              </a:ext>
+            </a:extLst>
+          </p:cNvPr>
           <p:cNvSpPr>
             <a:spLocks noGrp="1"/>
           </p:cNvSpPr>
@@ -1010,7 +1138,7 @@
           <a:p>
             <a:fld id="{730B001D-5C24-4F6D-9C38-E108FFB43397}" type="datetimeFigureOut">
               <a:rPr lang="en-US" smtClean="0"/>
-              <a:t>5/14/2022</a:t>
+              <a:t>14-May-22</a:t>
             </a:fld>
             <a:endParaRPr lang="en-US"/>
           </a:p>
@@ -1018,7 +1146,13 @@
       </p:sp>
       <p:sp>
         <p:nvSpPr>
-          <p:cNvPr id="5" name="Footer Placeholder 4"/>
+          <p:cNvPr id="5" name="Footer Placeholder 4">
+            <a:extLst>
+              <a:ext uri="{FF2B5EF4-FFF2-40B4-BE49-F238E27FC236}">
+                <a16:creationId xmlns:a16="http://schemas.microsoft.com/office/drawing/2014/main" id="{AD1763AC-153F-A400-1520-D3B6D0E6F00B}"/>
+              </a:ext>
+            </a:extLst>
+          </p:cNvPr>
           <p:cNvSpPr>
             <a:spLocks noGrp="1"/>
           </p:cNvSpPr>
@@ -1037,7 +1171,13 @@
       </p:sp>
       <p:sp>
         <p:nvSpPr>
-          <p:cNvPr id="6" name="Slide Number Placeholder 5"/>
+          <p:cNvPr id="6" name="Slide Number Placeholder 5">
+            <a:extLst>
+              <a:ext uri="{FF2B5EF4-FFF2-40B4-BE49-F238E27FC236}">
+                <a16:creationId xmlns:a16="http://schemas.microsoft.com/office/drawing/2014/main" id="{CB2509D8-BB30-0C32-49E5-4E46DFBB914B}"/>
+              </a:ext>
+            </a:extLst>
+          </p:cNvPr>
           <p:cNvSpPr>
             <a:spLocks noGrp="1"/>
           </p:cNvSpPr>
@@ -1061,7 +1201,7 @@
     </p:spTree>
     <p:extLst>
       <p:ext uri="{BB962C8B-B14F-4D97-AF65-F5344CB8AC3E}">
-        <p14:creationId xmlns:p14="http://schemas.microsoft.com/office/powerpoint/2010/main" val="3877288640"/>
+        <p14:creationId xmlns:p14="http://schemas.microsoft.com/office/powerpoint/2010/main" val="4204230913"/>
       </p:ext>
     </p:extLst>
   </p:cSld>
@@ -1090,7 +1230,13 @@
       </p:grpSpPr>
       <p:sp>
         <p:nvSpPr>
-          <p:cNvPr id="2" name="Title 1"/>
+          <p:cNvPr id="2" name="Title 1">
+            <a:extLst>
+              <a:ext uri="{FF2B5EF4-FFF2-40B4-BE49-F238E27FC236}">
+                <a16:creationId xmlns:a16="http://schemas.microsoft.com/office/drawing/2014/main" id="{222B2A46-108E-8F84-2DFC-3B96C9FF0BDD}"/>
+              </a:ext>
+            </a:extLst>
+          </p:cNvPr>
           <p:cNvSpPr>
             <a:spLocks noGrp="1"/>
           </p:cNvSpPr>
@@ -1107,13 +1253,18 @@
               <a:rPr lang="en-US"/>
               <a:t>Click to edit Master title style</a:t>
             </a:r>
-            <a:endParaRPr lang="en-US" dirty="0"/>
-          </a:p>
-        </p:txBody>
-      </p:sp>
-      <p:sp>
-        <p:nvSpPr>
-          <p:cNvPr id="3" name="Content Placeholder 2"/>
+          </a:p>
+        </p:txBody>
+      </p:sp>
+      <p:sp>
+        <p:nvSpPr>
+          <p:cNvPr id="3" name="Content Placeholder 2">
+            <a:extLst>
+              <a:ext uri="{FF2B5EF4-FFF2-40B4-BE49-F238E27FC236}">
+                <a16:creationId xmlns:a16="http://schemas.microsoft.com/office/drawing/2014/main" id="{25B8331F-3199-0D8B-E7CD-9476E8349B80}"/>
+              </a:ext>
+            </a:extLst>
+          </p:cNvPr>
           <p:cNvSpPr>
             <a:spLocks noGrp="1"/>
           </p:cNvSpPr>
@@ -1123,8 +1274,8 @@
         </p:nvSpPr>
         <p:spPr>
           <a:xfrm>
-            <a:off x="1100138" y="1825625"/>
-            <a:ext cx="6800850" cy="4351338"/>
+            <a:off x="838200" y="1825625"/>
+            <a:ext cx="5181600" cy="4351338"/>
           </a:xfrm>
         </p:spPr>
         <p:txBody>
@@ -1134,7 +1285,7 @@
             <a:pPr lvl="0"/>
             <a:r>
               <a:rPr lang="en-US"/>
-              <a:t>Edit Master text styles</a:t>
+              <a:t>Click to edit Master text styles</a:t>
             </a:r>
           </a:p>
           <a:p>
@@ -1164,13 +1315,18 @@
               <a:rPr lang="en-US"/>
               <a:t>Fifth level</a:t>
             </a:r>
-            <a:endParaRPr lang="en-US" dirty="0"/>
-          </a:p>
-        </p:txBody>
-      </p:sp>
-      <p:sp>
-        <p:nvSpPr>
-          <p:cNvPr id="4" name="Content Placeholder 3"/>
+          </a:p>
+        </p:txBody>
+      </p:sp>
+      <p:sp>
+        <p:nvSpPr>
+          <p:cNvPr id="4" name="Content Placeholder 3">
+            <a:extLst>
+              <a:ext uri="{FF2B5EF4-FFF2-40B4-BE49-F238E27FC236}">
+                <a16:creationId xmlns:a16="http://schemas.microsoft.com/office/drawing/2014/main" id="{77DE0BC2-372F-E8E2-F606-5A0960F6B6C9}"/>
+              </a:ext>
+            </a:extLst>
+          </p:cNvPr>
           <p:cNvSpPr>
             <a:spLocks noGrp="1"/>
           </p:cNvSpPr>
@@ -1180,8 +1336,8 @@
         </p:nvSpPr>
         <p:spPr>
           <a:xfrm>
-            <a:off x="8101013" y="1825625"/>
-            <a:ext cx="6800850" cy="4351338"/>
+            <a:off x="6172200" y="1825625"/>
+            <a:ext cx="5181600" cy="4351338"/>
           </a:xfrm>
         </p:spPr>
         <p:txBody>
@@ -1191,7 +1347,7 @@
             <a:pPr lvl="0"/>
             <a:r>
               <a:rPr lang="en-US"/>
-              <a:t>Edit Master text styles</a:t>
+              <a:t>Click to edit Master text styles</a:t>
             </a:r>
           </a:p>
           <a:p>
@@ -1221,13 +1377,18 @@
               <a:rPr lang="en-US"/>
               <a:t>Fifth level</a:t>
             </a:r>
-            <a:endParaRPr lang="en-US" dirty="0"/>
-          </a:p>
-        </p:txBody>
-      </p:sp>
-      <p:sp>
-        <p:nvSpPr>
-          <p:cNvPr id="5" name="Date Placeholder 4"/>
+          </a:p>
+        </p:txBody>
+      </p:sp>
+      <p:sp>
+        <p:nvSpPr>
+          <p:cNvPr id="5" name="Date Placeholder 4">
+            <a:extLst>
+              <a:ext uri="{FF2B5EF4-FFF2-40B4-BE49-F238E27FC236}">
+                <a16:creationId xmlns:a16="http://schemas.microsoft.com/office/drawing/2014/main" id="{07ABFA03-8033-E2BD-4986-32D1713EEA8C}"/>
+              </a:ext>
+            </a:extLst>
+          </p:cNvPr>
           <p:cNvSpPr>
             <a:spLocks noGrp="1"/>
           </p:cNvSpPr>
@@ -1242,7 +1403,7 @@
           <a:p>
             <a:fld id="{730B001D-5C24-4F6D-9C38-E108FFB43397}" type="datetimeFigureOut">
               <a:rPr lang="en-US" smtClean="0"/>
-              <a:t>5/14/2022</a:t>
+              <a:t>14-May-22</a:t>
             </a:fld>
             <a:endParaRPr lang="en-US"/>
           </a:p>
@@ -1250,7 +1411,13 @@
       </p:sp>
       <p:sp>
         <p:nvSpPr>
-          <p:cNvPr id="6" name="Footer Placeholder 5"/>
+          <p:cNvPr id="6" name="Footer Placeholder 5">
+            <a:extLst>
+              <a:ext uri="{FF2B5EF4-FFF2-40B4-BE49-F238E27FC236}">
+                <a16:creationId xmlns:a16="http://schemas.microsoft.com/office/drawing/2014/main" id="{16B7AA99-7AFE-1B9B-12D4-256035026F13}"/>
+              </a:ext>
+            </a:extLst>
+          </p:cNvPr>
           <p:cNvSpPr>
             <a:spLocks noGrp="1"/>
           </p:cNvSpPr>
@@ -1269,7 +1436,13 @@
       </p:sp>
       <p:sp>
         <p:nvSpPr>
-          <p:cNvPr id="7" name="Slide Number Placeholder 6"/>
+          <p:cNvPr id="7" name="Slide Number Placeholder 6">
+            <a:extLst>
+              <a:ext uri="{FF2B5EF4-FFF2-40B4-BE49-F238E27FC236}">
+                <a16:creationId xmlns:a16="http://schemas.microsoft.com/office/drawing/2014/main" id="{201A91B8-53A6-622B-80DB-2374DB789FC1}"/>
+              </a:ext>
+            </a:extLst>
+          </p:cNvPr>
           <p:cNvSpPr>
             <a:spLocks noGrp="1"/>
           </p:cNvSpPr>
@@ -1293,7 +1466,7 @@
     </p:spTree>
     <p:extLst>
       <p:ext uri="{BB962C8B-B14F-4D97-AF65-F5344CB8AC3E}">
-        <p14:creationId xmlns:p14="http://schemas.microsoft.com/office/powerpoint/2010/main" val="3100906942"/>
+        <p14:creationId xmlns:p14="http://schemas.microsoft.com/office/powerpoint/2010/main" val="2891596213"/>
       </p:ext>
     </p:extLst>
   </p:cSld>
@@ -1322,7 +1495,13 @@
       </p:grpSpPr>
       <p:sp>
         <p:nvSpPr>
-          <p:cNvPr id="2" name="Title 1"/>
+          <p:cNvPr id="2" name="Title 1">
+            <a:extLst>
+              <a:ext uri="{FF2B5EF4-FFF2-40B4-BE49-F238E27FC236}">
+                <a16:creationId xmlns:a16="http://schemas.microsoft.com/office/drawing/2014/main" id="{6D349903-C31D-8C34-DA14-9C5B8C1788E2}"/>
+              </a:ext>
+            </a:extLst>
+          </p:cNvPr>
           <p:cNvSpPr>
             <a:spLocks noGrp="1"/>
           </p:cNvSpPr>
@@ -1332,8 +1511,8 @@
         </p:nvSpPr>
         <p:spPr>
           <a:xfrm>
-            <a:off x="1102222" y="365126"/>
-            <a:ext cx="13801725" cy="1325563"/>
+            <a:off x="839788" y="365125"/>
+            <a:ext cx="10515600" cy="1325563"/>
           </a:xfrm>
         </p:spPr>
         <p:txBody>
@@ -1344,13 +1523,18 @@
               <a:rPr lang="en-US"/>
               <a:t>Click to edit Master title style</a:t>
             </a:r>
-            <a:endParaRPr lang="en-US" dirty="0"/>
-          </a:p>
-        </p:txBody>
-      </p:sp>
-      <p:sp>
-        <p:nvSpPr>
-          <p:cNvPr id="3" name="Text Placeholder 2"/>
+          </a:p>
+        </p:txBody>
+      </p:sp>
+      <p:sp>
+        <p:nvSpPr>
+          <p:cNvPr id="3" name="Text Placeholder 2">
+            <a:extLst>
+              <a:ext uri="{FF2B5EF4-FFF2-40B4-BE49-F238E27FC236}">
+                <a16:creationId xmlns:a16="http://schemas.microsoft.com/office/drawing/2014/main" id="{F06B3ACA-68BC-50BC-B868-DF7004CC31AD}"/>
+              </a:ext>
+            </a:extLst>
+          </p:cNvPr>
           <p:cNvSpPr>
             <a:spLocks noGrp="1"/>
           </p:cNvSpPr>
@@ -1360,8 +1544,8 @@
         </p:nvSpPr>
         <p:spPr>
           <a:xfrm>
-            <a:off x="1102223" y="1681163"/>
-            <a:ext cx="6769595" cy="823912"/>
+            <a:off x="839789" y="1681163"/>
+            <a:ext cx="5157787" cy="823912"/>
           </a:xfrm>
         </p:spPr>
         <p:txBody>
@@ -1375,31 +1559,31 @@
               <a:buNone/>
               <a:defRPr sz="2000" b="1"/>
             </a:lvl2pPr>
-            <a:lvl3pPr marL="914400" indent="0">
+            <a:lvl3pPr marL="914399" indent="0">
               <a:buNone/>
               <a:defRPr sz="1800" b="1"/>
             </a:lvl3pPr>
-            <a:lvl4pPr marL="1371600" indent="0">
+            <a:lvl4pPr marL="1371599" indent="0">
               <a:buNone/>
               <a:defRPr sz="1600" b="1"/>
             </a:lvl4pPr>
-            <a:lvl5pPr marL="1828800" indent="0">
+            <a:lvl5pPr marL="1828798" indent="0">
               <a:buNone/>
               <a:defRPr sz="1600" b="1"/>
             </a:lvl5pPr>
-            <a:lvl6pPr marL="2286000" indent="0">
+            <a:lvl6pPr marL="2285998" indent="0">
               <a:buNone/>
               <a:defRPr sz="1600" b="1"/>
             </a:lvl6pPr>
-            <a:lvl7pPr marL="2743200" indent="0">
+            <a:lvl7pPr marL="2743197" indent="0">
               <a:buNone/>
               <a:defRPr sz="1600" b="1"/>
             </a:lvl7pPr>
-            <a:lvl8pPr marL="3200400" indent="0">
+            <a:lvl8pPr marL="3200397" indent="0">
               <a:buNone/>
               <a:defRPr sz="1600" b="1"/>
             </a:lvl8pPr>
-            <a:lvl9pPr marL="3657600" indent="0">
+            <a:lvl9pPr marL="3657596" indent="0">
               <a:buNone/>
               <a:defRPr sz="1600" b="1"/>
             </a:lvl9pPr>
@@ -1408,14 +1592,20 @@
             <a:pPr lvl="0"/>
             <a:r>
               <a:rPr lang="en-US"/>
-              <a:t>Edit Master text styles</a:t>
-            </a:r>
-          </a:p>
-        </p:txBody>
-      </p:sp>
-      <p:sp>
-        <p:nvSpPr>
-          <p:cNvPr id="4" name="Content Placeholder 3"/>
+              <a:t>Click to edit Master text styles</a:t>
+            </a:r>
+          </a:p>
+        </p:txBody>
+      </p:sp>
+      <p:sp>
+        <p:nvSpPr>
+          <p:cNvPr id="4" name="Content Placeholder 3">
+            <a:extLst>
+              <a:ext uri="{FF2B5EF4-FFF2-40B4-BE49-F238E27FC236}">
+                <a16:creationId xmlns:a16="http://schemas.microsoft.com/office/drawing/2014/main" id="{46E5B537-3C7C-1D6D-3475-CDB855B5ECCE}"/>
+              </a:ext>
+            </a:extLst>
+          </p:cNvPr>
           <p:cNvSpPr>
             <a:spLocks noGrp="1"/>
           </p:cNvSpPr>
@@ -1425,8 +1615,8 @@
         </p:nvSpPr>
         <p:spPr>
           <a:xfrm>
-            <a:off x="1102223" y="2505075"/>
-            <a:ext cx="6769595" cy="3684588"/>
+            <a:off x="839789" y="2505075"/>
+            <a:ext cx="5157787" cy="3684588"/>
           </a:xfrm>
         </p:spPr>
         <p:txBody>
@@ -1436,7 +1626,7 @@
             <a:pPr lvl="0"/>
             <a:r>
               <a:rPr lang="en-US"/>
-              <a:t>Edit Master text styles</a:t>
+              <a:t>Click to edit Master text styles</a:t>
             </a:r>
           </a:p>
           <a:p>
@@ -1466,13 +1656,18 @@
               <a:rPr lang="en-US"/>
               <a:t>Fifth level</a:t>
             </a:r>
-            <a:endParaRPr lang="en-US" dirty="0"/>
-          </a:p>
-        </p:txBody>
-      </p:sp>
-      <p:sp>
-        <p:nvSpPr>
-          <p:cNvPr id="5" name="Text Placeholder 4"/>
+          </a:p>
+        </p:txBody>
+      </p:sp>
+      <p:sp>
+        <p:nvSpPr>
+          <p:cNvPr id="5" name="Text Placeholder 4">
+            <a:extLst>
+              <a:ext uri="{FF2B5EF4-FFF2-40B4-BE49-F238E27FC236}">
+                <a16:creationId xmlns:a16="http://schemas.microsoft.com/office/drawing/2014/main" id="{B4FCD900-11C6-D6CA-B67B-798053C2F08D}"/>
+              </a:ext>
+            </a:extLst>
+          </p:cNvPr>
           <p:cNvSpPr>
             <a:spLocks noGrp="1"/>
           </p:cNvSpPr>
@@ -1482,8 +1677,8 @@
         </p:nvSpPr>
         <p:spPr>
           <a:xfrm>
-            <a:off x="8101013" y="1681163"/>
-            <a:ext cx="6802934" cy="823912"/>
+            <a:off x="6172200" y="1681163"/>
+            <a:ext cx="5183188" cy="823912"/>
           </a:xfrm>
         </p:spPr>
         <p:txBody>
@@ -1497,31 +1692,31 @@
               <a:buNone/>
               <a:defRPr sz="2000" b="1"/>
             </a:lvl2pPr>
-            <a:lvl3pPr marL="914400" indent="0">
+            <a:lvl3pPr marL="914399" indent="0">
               <a:buNone/>
               <a:defRPr sz="1800" b="1"/>
             </a:lvl3pPr>
-            <a:lvl4pPr marL="1371600" indent="0">
+            <a:lvl4pPr marL="1371599" indent="0">
               <a:buNone/>
               <a:defRPr sz="1600" b="1"/>
             </a:lvl4pPr>
-            <a:lvl5pPr marL="1828800" indent="0">
+            <a:lvl5pPr marL="1828798" indent="0">
               <a:buNone/>
               <a:defRPr sz="1600" b="1"/>
             </a:lvl5pPr>
-            <a:lvl6pPr marL="2286000" indent="0">
+            <a:lvl6pPr marL="2285998" indent="0">
               <a:buNone/>
               <a:defRPr sz="1600" b="1"/>
             </a:lvl6pPr>
-            <a:lvl7pPr marL="2743200" indent="0">
+            <a:lvl7pPr marL="2743197" indent="0">
               <a:buNone/>
               <a:defRPr sz="1600" b="1"/>
             </a:lvl7pPr>
-            <a:lvl8pPr marL="3200400" indent="0">
+            <a:lvl8pPr marL="3200397" indent="0">
               <a:buNone/>
               <a:defRPr sz="1600" b="1"/>
             </a:lvl8pPr>
-            <a:lvl9pPr marL="3657600" indent="0">
+            <a:lvl9pPr marL="3657596" indent="0">
               <a:buNone/>
               <a:defRPr sz="1600" b="1"/>
             </a:lvl9pPr>
@@ -1530,14 +1725,20 @@
             <a:pPr lvl="0"/>
             <a:r>
               <a:rPr lang="en-US"/>
-              <a:t>Edit Master text styles</a:t>
-            </a:r>
-          </a:p>
-        </p:txBody>
-      </p:sp>
-      <p:sp>
-        <p:nvSpPr>
-          <p:cNvPr id="6" name="Content Placeholder 5"/>
+              <a:t>Click to edit Master text styles</a:t>
+            </a:r>
+          </a:p>
+        </p:txBody>
+      </p:sp>
+      <p:sp>
+        <p:nvSpPr>
+          <p:cNvPr id="6" name="Content Placeholder 5">
+            <a:extLst>
+              <a:ext uri="{FF2B5EF4-FFF2-40B4-BE49-F238E27FC236}">
+                <a16:creationId xmlns:a16="http://schemas.microsoft.com/office/drawing/2014/main" id="{C86985CD-1D58-8AEC-21FD-97B950CD0FCA}"/>
+              </a:ext>
+            </a:extLst>
+          </p:cNvPr>
           <p:cNvSpPr>
             <a:spLocks noGrp="1"/>
           </p:cNvSpPr>
@@ -1547,8 +1748,8 @@
         </p:nvSpPr>
         <p:spPr>
           <a:xfrm>
-            <a:off x="8101013" y="2505075"/>
-            <a:ext cx="6802934" cy="3684588"/>
+            <a:off x="6172200" y="2505075"/>
+            <a:ext cx="5183188" cy="3684588"/>
           </a:xfrm>
         </p:spPr>
         <p:txBody>
@@ -1558,7 +1759,7 @@
             <a:pPr lvl="0"/>
             <a:r>
               <a:rPr lang="en-US"/>
-              <a:t>Edit Master text styles</a:t>
+              <a:t>Click to edit Master text styles</a:t>
             </a:r>
           </a:p>
           <a:p>
@@ -1588,13 +1789,18 @@
               <a:rPr lang="en-US"/>
               <a:t>Fifth level</a:t>
             </a:r>
-            <a:endParaRPr lang="en-US" dirty="0"/>
-          </a:p>
-        </p:txBody>
-      </p:sp>
-      <p:sp>
-        <p:nvSpPr>
-          <p:cNvPr id="7" name="Date Placeholder 6"/>
+          </a:p>
+        </p:txBody>
+      </p:sp>
+      <p:sp>
+        <p:nvSpPr>
+          <p:cNvPr id="7" name="Date Placeholder 6">
+            <a:extLst>
+              <a:ext uri="{FF2B5EF4-FFF2-40B4-BE49-F238E27FC236}">
+                <a16:creationId xmlns:a16="http://schemas.microsoft.com/office/drawing/2014/main" id="{88009157-501D-C479-EE5F-D93FB2D94BC2}"/>
+              </a:ext>
+            </a:extLst>
+          </p:cNvPr>
           <p:cNvSpPr>
             <a:spLocks noGrp="1"/>
           </p:cNvSpPr>
@@ -1609,7 +1815,7 @@
           <a:p>
             <a:fld id="{730B001D-5C24-4F6D-9C38-E108FFB43397}" type="datetimeFigureOut">
               <a:rPr lang="en-US" smtClean="0"/>
-              <a:t>5/14/2022</a:t>
+              <a:t>14-May-22</a:t>
             </a:fld>
             <a:endParaRPr lang="en-US"/>
           </a:p>
@@ -1617,7 +1823,13 @@
       </p:sp>
       <p:sp>
         <p:nvSpPr>
-          <p:cNvPr id="8" name="Footer Placeholder 7"/>
+          <p:cNvPr id="8" name="Footer Placeholder 7">
+            <a:extLst>
+              <a:ext uri="{FF2B5EF4-FFF2-40B4-BE49-F238E27FC236}">
+                <a16:creationId xmlns:a16="http://schemas.microsoft.com/office/drawing/2014/main" id="{0775E995-595F-8AE7-3AD4-5EDC2C7BE626}"/>
+              </a:ext>
+            </a:extLst>
+          </p:cNvPr>
           <p:cNvSpPr>
             <a:spLocks noGrp="1"/>
           </p:cNvSpPr>
@@ -1636,7 +1848,13 @@
       </p:sp>
       <p:sp>
         <p:nvSpPr>
-          <p:cNvPr id="9" name="Slide Number Placeholder 8"/>
+          <p:cNvPr id="9" name="Slide Number Placeholder 8">
+            <a:extLst>
+              <a:ext uri="{FF2B5EF4-FFF2-40B4-BE49-F238E27FC236}">
+                <a16:creationId xmlns:a16="http://schemas.microsoft.com/office/drawing/2014/main" id="{B5861ADF-9662-1234-F4A7-A5CDCA795855}"/>
+              </a:ext>
+            </a:extLst>
+          </p:cNvPr>
           <p:cNvSpPr>
             <a:spLocks noGrp="1"/>
           </p:cNvSpPr>
@@ -1660,7 +1878,7 @@
     </p:spTree>
     <p:extLst>
       <p:ext uri="{BB962C8B-B14F-4D97-AF65-F5344CB8AC3E}">
-        <p14:creationId xmlns:p14="http://schemas.microsoft.com/office/powerpoint/2010/main" val="624712877"/>
+        <p14:creationId xmlns:p14="http://schemas.microsoft.com/office/powerpoint/2010/main" val="532771411"/>
       </p:ext>
     </p:extLst>
   </p:cSld>
@@ -1689,7 +1907,13 @@
       </p:grpSpPr>
       <p:sp>
         <p:nvSpPr>
-          <p:cNvPr id="2" name="Title 1"/>
+          <p:cNvPr id="2" name="Title 1">
+            <a:extLst>
+              <a:ext uri="{FF2B5EF4-FFF2-40B4-BE49-F238E27FC236}">
+                <a16:creationId xmlns:a16="http://schemas.microsoft.com/office/drawing/2014/main" id="{B3DBFEC5-AFE3-19C0-0911-D872A3AB6DEF}"/>
+              </a:ext>
+            </a:extLst>
+          </p:cNvPr>
           <p:cNvSpPr>
             <a:spLocks noGrp="1"/>
           </p:cNvSpPr>
@@ -1706,13 +1930,18 @@
               <a:rPr lang="en-US"/>
               <a:t>Click to edit Master title style</a:t>
             </a:r>
-            <a:endParaRPr lang="en-US" dirty="0"/>
-          </a:p>
-        </p:txBody>
-      </p:sp>
-      <p:sp>
-        <p:nvSpPr>
-          <p:cNvPr id="3" name="Date Placeholder 2"/>
+          </a:p>
+        </p:txBody>
+      </p:sp>
+      <p:sp>
+        <p:nvSpPr>
+          <p:cNvPr id="3" name="Date Placeholder 2">
+            <a:extLst>
+              <a:ext uri="{FF2B5EF4-FFF2-40B4-BE49-F238E27FC236}">
+                <a16:creationId xmlns:a16="http://schemas.microsoft.com/office/drawing/2014/main" id="{2F696136-CB82-85A8-A197-A9F54F831BEA}"/>
+              </a:ext>
+            </a:extLst>
+          </p:cNvPr>
           <p:cNvSpPr>
             <a:spLocks noGrp="1"/>
           </p:cNvSpPr>
@@ -1727,7 +1956,7 @@
           <a:p>
             <a:fld id="{730B001D-5C24-4F6D-9C38-E108FFB43397}" type="datetimeFigureOut">
               <a:rPr lang="en-US" smtClean="0"/>
-              <a:t>5/14/2022</a:t>
+              <a:t>14-May-22</a:t>
             </a:fld>
             <a:endParaRPr lang="en-US"/>
           </a:p>
@@ -1735,7 +1964,13 @@
       </p:sp>
       <p:sp>
         <p:nvSpPr>
-          <p:cNvPr id="4" name="Footer Placeholder 3"/>
+          <p:cNvPr id="4" name="Footer Placeholder 3">
+            <a:extLst>
+              <a:ext uri="{FF2B5EF4-FFF2-40B4-BE49-F238E27FC236}">
+                <a16:creationId xmlns:a16="http://schemas.microsoft.com/office/drawing/2014/main" id="{3852777D-FB7C-F580-74D9-87FEF0357AE8}"/>
+              </a:ext>
+            </a:extLst>
+          </p:cNvPr>
           <p:cNvSpPr>
             <a:spLocks noGrp="1"/>
           </p:cNvSpPr>
@@ -1754,7 +1989,13 @@
       </p:sp>
       <p:sp>
         <p:nvSpPr>
-          <p:cNvPr id="5" name="Slide Number Placeholder 4"/>
+          <p:cNvPr id="5" name="Slide Number Placeholder 4">
+            <a:extLst>
+              <a:ext uri="{FF2B5EF4-FFF2-40B4-BE49-F238E27FC236}">
+                <a16:creationId xmlns:a16="http://schemas.microsoft.com/office/drawing/2014/main" id="{F8F17E08-5732-EE85-D12B-C30AF22E535F}"/>
+              </a:ext>
+            </a:extLst>
+          </p:cNvPr>
           <p:cNvSpPr>
             <a:spLocks noGrp="1"/>
           </p:cNvSpPr>
@@ -1778,7 +2019,7 @@
     </p:spTree>
     <p:extLst>
       <p:ext uri="{BB962C8B-B14F-4D97-AF65-F5344CB8AC3E}">
-        <p14:creationId xmlns:p14="http://schemas.microsoft.com/office/powerpoint/2010/main" val="2078900363"/>
+        <p14:creationId xmlns:p14="http://schemas.microsoft.com/office/powerpoint/2010/main" val="895638193"/>
       </p:ext>
     </p:extLst>
   </p:cSld>
@@ -1807,7 +2048,13 @@
       </p:grpSpPr>
       <p:sp>
         <p:nvSpPr>
-          <p:cNvPr id="2" name="Date Placeholder 1"/>
+          <p:cNvPr id="2" name="Date Placeholder 1">
+            <a:extLst>
+              <a:ext uri="{FF2B5EF4-FFF2-40B4-BE49-F238E27FC236}">
+                <a16:creationId xmlns:a16="http://schemas.microsoft.com/office/drawing/2014/main" id="{A8CE38EA-12B9-FA9C-3B99-B59DDDDA8377}"/>
+              </a:ext>
+            </a:extLst>
+          </p:cNvPr>
           <p:cNvSpPr>
             <a:spLocks noGrp="1"/>
           </p:cNvSpPr>
@@ -1822,7 +2069,7 @@
           <a:p>
             <a:fld id="{730B001D-5C24-4F6D-9C38-E108FFB43397}" type="datetimeFigureOut">
               <a:rPr lang="en-US" smtClean="0"/>
-              <a:t>5/14/2022</a:t>
+              <a:t>14-May-22</a:t>
             </a:fld>
             <a:endParaRPr lang="en-US"/>
           </a:p>
@@ -1830,7 +2077,13 @@
       </p:sp>
       <p:sp>
         <p:nvSpPr>
-          <p:cNvPr id="3" name="Footer Placeholder 2"/>
+          <p:cNvPr id="3" name="Footer Placeholder 2">
+            <a:extLst>
+              <a:ext uri="{FF2B5EF4-FFF2-40B4-BE49-F238E27FC236}">
+                <a16:creationId xmlns:a16="http://schemas.microsoft.com/office/drawing/2014/main" id="{983FA849-3060-B340-7058-B773E3E7A36A}"/>
+              </a:ext>
+            </a:extLst>
+          </p:cNvPr>
           <p:cNvSpPr>
             <a:spLocks noGrp="1"/>
           </p:cNvSpPr>
@@ -1849,7 +2102,13 @@
       </p:sp>
       <p:sp>
         <p:nvSpPr>
-          <p:cNvPr id="4" name="Slide Number Placeholder 3"/>
+          <p:cNvPr id="4" name="Slide Number Placeholder 3">
+            <a:extLst>
+              <a:ext uri="{FF2B5EF4-FFF2-40B4-BE49-F238E27FC236}">
+                <a16:creationId xmlns:a16="http://schemas.microsoft.com/office/drawing/2014/main" id="{A733F0A4-04F4-EE90-FFA7-7CBDA5D3A8ED}"/>
+              </a:ext>
+            </a:extLst>
+          </p:cNvPr>
           <p:cNvSpPr>
             <a:spLocks noGrp="1"/>
           </p:cNvSpPr>
@@ -1873,7 +2132,7 @@
     </p:spTree>
     <p:extLst>
       <p:ext uri="{BB962C8B-B14F-4D97-AF65-F5344CB8AC3E}">
-        <p14:creationId xmlns:p14="http://schemas.microsoft.com/office/powerpoint/2010/main" val="1379500832"/>
+        <p14:creationId xmlns:p14="http://schemas.microsoft.com/office/powerpoint/2010/main" val="3298874801"/>
       </p:ext>
     </p:extLst>
   </p:cSld>
@@ -1902,7 +2161,13 @@
       </p:grpSpPr>
       <p:sp>
         <p:nvSpPr>
-          <p:cNvPr id="2" name="Title 1"/>
+          <p:cNvPr id="2" name="Title 1">
+            <a:extLst>
+              <a:ext uri="{FF2B5EF4-FFF2-40B4-BE49-F238E27FC236}">
+                <a16:creationId xmlns:a16="http://schemas.microsoft.com/office/drawing/2014/main" id="{D56DC106-90F3-0ADE-0CD7-AFF703ADA86F}"/>
+              </a:ext>
+            </a:extLst>
+          </p:cNvPr>
           <p:cNvSpPr>
             <a:spLocks noGrp="1"/>
           </p:cNvSpPr>
@@ -1912,8 +2177,8 @@
         </p:nvSpPr>
         <p:spPr>
           <a:xfrm>
-            <a:off x="1102222" y="457200"/>
-            <a:ext cx="5161061" cy="1600200"/>
+            <a:off x="839789" y="457200"/>
+            <a:ext cx="3932237" cy="1600200"/>
           </a:xfrm>
         </p:spPr>
         <p:txBody>
@@ -1928,13 +2193,18 @@
               <a:rPr lang="en-US"/>
               <a:t>Click to edit Master title style</a:t>
             </a:r>
-            <a:endParaRPr lang="en-US" dirty="0"/>
-          </a:p>
-        </p:txBody>
-      </p:sp>
-      <p:sp>
-        <p:nvSpPr>
-          <p:cNvPr id="3" name="Content Placeholder 2"/>
+          </a:p>
+        </p:txBody>
+      </p:sp>
+      <p:sp>
+        <p:nvSpPr>
+          <p:cNvPr id="3" name="Content Placeholder 2">
+            <a:extLst>
+              <a:ext uri="{FF2B5EF4-FFF2-40B4-BE49-F238E27FC236}">
+                <a16:creationId xmlns:a16="http://schemas.microsoft.com/office/drawing/2014/main" id="{D99EF09E-B546-F962-6E8D-1AD8245234CD}"/>
+              </a:ext>
+            </a:extLst>
+          </p:cNvPr>
           <p:cNvSpPr>
             <a:spLocks noGrp="1"/>
           </p:cNvSpPr>
@@ -1944,8 +2214,8 @@
         </p:nvSpPr>
         <p:spPr>
           <a:xfrm>
-            <a:off x="6802934" y="987426"/>
-            <a:ext cx="8101013" cy="4873625"/>
+            <a:off x="5183188" y="987426"/>
+            <a:ext cx="6172200" cy="4873625"/>
           </a:xfrm>
         </p:spPr>
         <p:txBody>
@@ -1983,7 +2253,7 @@
             <a:pPr lvl="0"/>
             <a:r>
               <a:rPr lang="en-US"/>
-              <a:t>Edit Master text styles</a:t>
+              <a:t>Click to edit Master text styles</a:t>
             </a:r>
           </a:p>
           <a:p>
@@ -2013,13 +2283,18 @@
               <a:rPr lang="en-US"/>
               <a:t>Fifth level</a:t>
             </a:r>
-            <a:endParaRPr lang="en-US" dirty="0"/>
-          </a:p>
-        </p:txBody>
-      </p:sp>
-      <p:sp>
-        <p:nvSpPr>
-          <p:cNvPr id="4" name="Text Placeholder 3"/>
+          </a:p>
+        </p:txBody>
+      </p:sp>
+      <p:sp>
+        <p:nvSpPr>
+          <p:cNvPr id="4" name="Text Placeholder 3">
+            <a:extLst>
+              <a:ext uri="{FF2B5EF4-FFF2-40B4-BE49-F238E27FC236}">
+                <a16:creationId xmlns:a16="http://schemas.microsoft.com/office/drawing/2014/main" id="{458AD092-6AAA-FCC1-9C26-F326D5DA70B2}"/>
+              </a:ext>
+            </a:extLst>
+          </p:cNvPr>
           <p:cNvSpPr>
             <a:spLocks noGrp="1"/>
           </p:cNvSpPr>
@@ -2029,8 +2304,8 @@
         </p:nvSpPr>
         <p:spPr>
           <a:xfrm>
-            <a:off x="1102222" y="2057400"/>
-            <a:ext cx="5161061" cy="3811588"/>
+            <a:off x="839789" y="2057400"/>
+            <a:ext cx="3932237" cy="3811588"/>
           </a:xfrm>
         </p:spPr>
         <p:txBody>
@@ -2044,31 +2319,31 @@
               <a:buNone/>
               <a:defRPr sz="1400"/>
             </a:lvl2pPr>
-            <a:lvl3pPr marL="914400" indent="0">
+            <a:lvl3pPr marL="914399" indent="0">
               <a:buNone/>
               <a:defRPr sz="1200"/>
             </a:lvl3pPr>
-            <a:lvl4pPr marL="1371600" indent="0">
+            <a:lvl4pPr marL="1371599" indent="0">
               <a:buNone/>
               <a:defRPr sz="1000"/>
             </a:lvl4pPr>
-            <a:lvl5pPr marL="1828800" indent="0">
+            <a:lvl5pPr marL="1828798" indent="0">
               <a:buNone/>
               <a:defRPr sz="1000"/>
             </a:lvl5pPr>
-            <a:lvl6pPr marL="2286000" indent="0">
+            <a:lvl6pPr marL="2285998" indent="0">
               <a:buNone/>
               <a:defRPr sz="1000"/>
             </a:lvl6pPr>
-            <a:lvl7pPr marL="2743200" indent="0">
+            <a:lvl7pPr marL="2743197" indent="0">
               <a:buNone/>
               <a:defRPr sz="1000"/>
             </a:lvl7pPr>
-            <a:lvl8pPr marL="3200400" indent="0">
+            <a:lvl8pPr marL="3200397" indent="0">
               <a:buNone/>
               <a:defRPr sz="1000"/>
             </a:lvl8pPr>
-            <a:lvl9pPr marL="3657600" indent="0">
+            <a:lvl9pPr marL="3657596" indent="0">
               <a:buNone/>
               <a:defRPr sz="1000"/>
             </a:lvl9pPr>
@@ -2077,14 +2352,20 @@
             <a:pPr lvl="0"/>
             <a:r>
               <a:rPr lang="en-US"/>
-              <a:t>Edit Master text styles</a:t>
-            </a:r>
-          </a:p>
-        </p:txBody>
-      </p:sp>
-      <p:sp>
-        <p:nvSpPr>
-          <p:cNvPr id="5" name="Date Placeholder 4"/>
+              <a:t>Click to edit Master text styles</a:t>
+            </a:r>
+          </a:p>
+        </p:txBody>
+      </p:sp>
+      <p:sp>
+        <p:nvSpPr>
+          <p:cNvPr id="5" name="Date Placeholder 4">
+            <a:extLst>
+              <a:ext uri="{FF2B5EF4-FFF2-40B4-BE49-F238E27FC236}">
+                <a16:creationId xmlns:a16="http://schemas.microsoft.com/office/drawing/2014/main" id="{D0F281C9-6F0E-E8A5-4FFC-3B9F75383DB4}"/>
+              </a:ext>
+            </a:extLst>
+          </p:cNvPr>
           <p:cNvSpPr>
             <a:spLocks noGrp="1"/>
           </p:cNvSpPr>
@@ -2099,7 +2380,7 @@
           <a:p>
             <a:fld id="{730B001D-5C24-4F6D-9C38-E108FFB43397}" type="datetimeFigureOut">
               <a:rPr lang="en-US" smtClean="0"/>
-              <a:t>5/14/2022</a:t>
+              <a:t>14-May-22</a:t>
             </a:fld>
             <a:endParaRPr lang="en-US"/>
           </a:p>
@@ -2107,7 +2388,13 @@
       </p:sp>
       <p:sp>
         <p:nvSpPr>
-          <p:cNvPr id="6" name="Footer Placeholder 5"/>
+          <p:cNvPr id="6" name="Footer Placeholder 5">
+            <a:extLst>
+              <a:ext uri="{FF2B5EF4-FFF2-40B4-BE49-F238E27FC236}">
+                <a16:creationId xmlns:a16="http://schemas.microsoft.com/office/drawing/2014/main" id="{5D66E38E-3B43-9D94-941C-B180EE35628F}"/>
+              </a:ext>
+            </a:extLst>
+          </p:cNvPr>
           <p:cNvSpPr>
             <a:spLocks noGrp="1"/>
           </p:cNvSpPr>
@@ -2126,7 +2413,13 @@
       </p:sp>
       <p:sp>
         <p:nvSpPr>
-          <p:cNvPr id="7" name="Slide Number Placeholder 6"/>
+          <p:cNvPr id="7" name="Slide Number Placeholder 6">
+            <a:extLst>
+              <a:ext uri="{FF2B5EF4-FFF2-40B4-BE49-F238E27FC236}">
+                <a16:creationId xmlns:a16="http://schemas.microsoft.com/office/drawing/2014/main" id="{EB7F80A3-F06E-E26F-6DC5-8A93C5382E20}"/>
+              </a:ext>
+            </a:extLst>
+          </p:cNvPr>
           <p:cNvSpPr>
             <a:spLocks noGrp="1"/>
           </p:cNvSpPr>
@@ -2150,7 +2443,7 @@
     </p:spTree>
     <p:extLst>
       <p:ext uri="{BB962C8B-B14F-4D97-AF65-F5344CB8AC3E}">
-        <p14:creationId xmlns:p14="http://schemas.microsoft.com/office/powerpoint/2010/main" val="3543338482"/>
+        <p14:creationId xmlns:p14="http://schemas.microsoft.com/office/powerpoint/2010/main" val="1454118775"/>
       </p:ext>
     </p:extLst>
   </p:cSld>
@@ -2179,7 +2472,13 @@
       </p:grpSpPr>
       <p:sp>
         <p:nvSpPr>
-          <p:cNvPr id="2" name="Title 1"/>
+          <p:cNvPr id="2" name="Title 1">
+            <a:extLst>
+              <a:ext uri="{FF2B5EF4-FFF2-40B4-BE49-F238E27FC236}">
+                <a16:creationId xmlns:a16="http://schemas.microsoft.com/office/drawing/2014/main" id="{1C7B1192-821A-04FD-DAE7-0D171D6251E6}"/>
+              </a:ext>
+            </a:extLst>
+          </p:cNvPr>
           <p:cNvSpPr>
             <a:spLocks noGrp="1"/>
           </p:cNvSpPr>
@@ -2189,8 +2488,8 @@
         </p:nvSpPr>
         <p:spPr>
           <a:xfrm>
-            <a:off x="1102222" y="457200"/>
-            <a:ext cx="5161061" cy="1600200"/>
+            <a:off x="839789" y="457200"/>
+            <a:ext cx="3932237" cy="1600200"/>
           </a:xfrm>
         </p:spPr>
         <p:txBody>
@@ -2205,15 +2504,20 @@
               <a:rPr lang="en-US"/>
               <a:t>Click to edit Master title style</a:t>
             </a:r>
-            <a:endParaRPr lang="en-US" dirty="0"/>
-          </a:p>
-        </p:txBody>
-      </p:sp>
-      <p:sp>
-        <p:nvSpPr>
-          <p:cNvPr id="3" name="Picture Placeholder 2"/>
-          <p:cNvSpPr>
-            <a:spLocks noGrp="1" noChangeAspect="1"/>
+          </a:p>
+        </p:txBody>
+      </p:sp>
+      <p:sp>
+        <p:nvSpPr>
+          <p:cNvPr id="3" name="Picture Placeholder 2">
+            <a:extLst>
+              <a:ext uri="{FF2B5EF4-FFF2-40B4-BE49-F238E27FC236}">
+                <a16:creationId xmlns:a16="http://schemas.microsoft.com/office/drawing/2014/main" id="{62C28DEF-D932-9BF5-1656-E4ECEECAC1D9}"/>
+              </a:ext>
+            </a:extLst>
+          </p:cNvPr>
+          <p:cNvSpPr>
+            <a:spLocks noGrp="1"/>
           </p:cNvSpPr>
           <p:nvPr>
             <p:ph type="pic" idx="1"/>
@@ -2221,12 +2525,12 @@
         </p:nvSpPr>
         <p:spPr>
           <a:xfrm>
-            <a:off x="6802934" y="987426"/>
-            <a:ext cx="8101013" cy="4873625"/>
+            <a:off x="5183188" y="987426"/>
+            <a:ext cx="6172200" cy="4873625"/>
           </a:xfrm>
         </p:spPr>
         <p:txBody>
-          <a:bodyPr anchor="t"/>
+          <a:bodyPr/>
           <a:lstStyle>
             <a:lvl1pPr marL="0" indent="0">
               <a:buNone/>
@@ -2236,47 +2540,49 @@
               <a:buNone/>
               <a:defRPr sz="2800"/>
             </a:lvl2pPr>
-            <a:lvl3pPr marL="914400" indent="0">
+            <a:lvl3pPr marL="914399" indent="0">
               <a:buNone/>
               <a:defRPr sz="2400"/>
             </a:lvl3pPr>
-            <a:lvl4pPr marL="1371600" indent="0">
+            <a:lvl4pPr marL="1371599" indent="0">
               <a:buNone/>
               <a:defRPr sz="2000"/>
             </a:lvl4pPr>
-            <a:lvl5pPr marL="1828800" indent="0">
+            <a:lvl5pPr marL="1828798" indent="0">
               <a:buNone/>
               <a:defRPr sz="2000"/>
             </a:lvl5pPr>
-            <a:lvl6pPr marL="2286000" indent="0">
+            <a:lvl6pPr marL="2285998" indent="0">
               <a:buNone/>
               <a:defRPr sz="2000"/>
             </a:lvl6pPr>
-            <a:lvl7pPr marL="2743200" indent="0">
+            <a:lvl7pPr marL="2743197" indent="0">
               <a:buNone/>
               <a:defRPr sz="2000"/>
             </a:lvl7pPr>
-            <a:lvl8pPr marL="3200400" indent="0">
+            <a:lvl8pPr marL="3200397" indent="0">
               <a:buNone/>
               <a:defRPr sz="2000"/>
             </a:lvl8pPr>
-            <a:lvl9pPr marL="3657600" indent="0">
+            <a:lvl9pPr marL="3657596" indent="0">
               <a:buNone/>
               <a:defRPr sz="2000"/>
             </a:lvl9pPr>
           </a:lstStyle>
           <a:p>
-            <a:r>
-              <a:rPr lang="en-US"/>
-              <a:t>Click icon to add picture</a:t>
-            </a:r>
-            <a:endParaRPr lang="en-US" dirty="0"/>
-          </a:p>
-        </p:txBody>
-      </p:sp>
-      <p:sp>
-        <p:nvSpPr>
-          <p:cNvPr id="4" name="Text Placeholder 3"/>
+            <a:endParaRPr lang="en-US"/>
+          </a:p>
+        </p:txBody>
+      </p:sp>
+      <p:sp>
+        <p:nvSpPr>
+          <p:cNvPr id="4" name="Text Placeholder 3">
+            <a:extLst>
+              <a:ext uri="{FF2B5EF4-FFF2-40B4-BE49-F238E27FC236}">
+                <a16:creationId xmlns:a16="http://schemas.microsoft.com/office/drawing/2014/main" id="{897AD56F-840C-1A8D-E977-3A8197C2293E}"/>
+              </a:ext>
+            </a:extLst>
+          </p:cNvPr>
           <p:cNvSpPr>
             <a:spLocks noGrp="1"/>
           </p:cNvSpPr>
@@ -2286,8 +2592,8 @@
         </p:nvSpPr>
         <p:spPr>
           <a:xfrm>
-            <a:off x="1102222" y="2057400"/>
-            <a:ext cx="5161061" cy="3811588"/>
+            <a:off x="839789" y="2057400"/>
+            <a:ext cx="3932237" cy="3811588"/>
           </a:xfrm>
         </p:spPr>
         <p:txBody>
@@ -2301,31 +2607,31 @@
               <a:buNone/>
               <a:defRPr sz="1400"/>
             </a:lvl2pPr>
-            <a:lvl3pPr marL="914400" indent="0">
+            <a:lvl3pPr marL="914399" indent="0">
               <a:buNone/>
               <a:defRPr sz="1200"/>
             </a:lvl3pPr>
-            <a:lvl4pPr marL="1371600" indent="0">
+            <a:lvl4pPr marL="1371599" indent="0">
               <a:buNone/>
               <a:defRPr sz="1000"/>
             </a:lvl4pPr>
-            <a:lvl5pPr marL="1828800" indent="0">
+            <a:lvl5pPr marL="1828798" indent="0">
               <a:buNone/>
               <a:defRPr sz="1000"/>
             </a:lvl5pPr>
-            <a:lvl6pPr marL="2286000" indent="0">
+            <a:lvl6pPr marL="2285998" indent="0">
               <a:buNone/>
               <a:defRPr sz="1000"/>
             </a:lvl6pPr>
-            <a:lvl7pPr marL="2743200" indent="0">
+            <a:lvl7pPr marL="2743197" indent="0">
               <a:buNone/>
               <a:defRPr sz="1000"/>
             </a:lvl7pPr>
-            <a:lvl8pPr marL="3200400" indent="0">
+            <a:lvl8pPr marL="3200397" indent="0">
               <a:buNone/>
               <a:defRPr sz="1000"/>
             </a:lvl8pPr>
-            <a:lvl9pPr marL="3657600" indent="0">
+            <a:lvl9pPr marL="3657596" indent="0">
               <a:buNone/>
               <a:defRPr sz="1000"/>
             </a:lvl9pPr>
@@ -2334,14 +2640,20 @@
             <a:pPr lvl="0"/>
             <a:r>
               <a:rPr lang="en-US"/>
-              <a:t>Edit Master text styles</a:t>
-            </a:r>
-          </a:p>
-        </p:txBody>
-      </p:sp>
-      <p:sp>
-        <p:nvSpPr>
-          <p:cNvPr id="5" name="Date Placeholder 4"/>
+              <a:t>Click to edit Master text styles</a:t>
+            </a:r>
+          </a:p>
+        </p:txBody>
+      </p:sp>
+      <p:sp>
+        <p:nvSpPr>
+          <p:cNvPr id="5" name="Date Placeholder 4">
+            <a:extLst>
+              <a:ext uri="{FF2B5EF4-FFF2-40B4-BE49-F238E27FC236}">
+                <a16:creationId xmlns:a16="http://schemas.microsoft.com/office/drawing/2014/main" id="{FE8BB8B8-971E-BC41-0039-E0001E24039B}"/>
+              </a:ext>
+            </a:extLst>
+          </p:cNvPr>
           <p:cNvSpPr>
             <a:spLocks noGrp="1"/>
           </p:cNvSpPr>
@@ -2356,7 +2668,7 @@
           <a:p>
             <a:fld id="{730B001D-5C24-4F6D-9C38-E108FFB43397}" type="datetimeFigureOut">
               <a:rPr lang="en-US" smtClean="0"/>
-              <a:t>5/14/2022</a:t>
+              <a:t>14-May-22</a:t>
             </a:fld>
             <a:endParaRPr lang="en-US"/>
           </a:p>
@@ -2364,7 +2676,13 @@
       </p:sp>
       <p:sp>
         <p:nvSpPr>
-          <p:cNvPr id="6" name="Footer Placeholder 5"/>
+          <p:cNvPr id="6" name="Footer Placeholder 5">
+            <a:extLst>
+              <a:ext uri="{FF2B5EF4-FFF2-40B4-BE49-F238E27FC236}">
+                <a16:creationId xmlns:a16="http://schemas.microsoft.com/office/drawing/2014/main" id="{A2F13238-8984-BD11-B47A-69916BA68B7A}"/>
+              </a:ext>
+            </a:extLst>
+          </p:cNvPr>
           <p:cNvSpPr>
             <a:spLocks noGrp="1"/>
           </p:cNvSpPr>
@@ -2383,7 +2701,13 @@
       </p:sp>
       <p:sp>
         <p:nvSpPr>
-          <p:cNvPr id="7" name="Slide Number Placeholder 6"/>
+          <p:cNvPr id="7" name="Slide Number Placeholder 6">
+            <a:extLst>
+              <a:ext uri="{FF2B5EF4-FFF2-40B4-BE49-F238E27FC236}">
+                <a16:creationId xmlns:a16="http://schemas.microsoft.com/office/drawing/2014/main" id="{6BD10D43-6F61-2D81-06AD-EF8860F720A4}"/>
+              </a:ext>
+            </a:extLst>
+          </p:cNvPr>
           <p:cNvSpPr>
             <a:spLocks noGrp="1"/>
           </p:cNvSpPr>
@@ -2407,7 +2731,7 @@
     </p:spTree>
     <p:extLst>
       <p:ext uri="{BB962C8B-B14F-4D97-AF65-F5344CB8AC3E}">
-        <p14:creationId xmlns:p14="http://schemas.microsoft.com/office/powerpoint/2010/main" val="70577857"/>
+        <p14:creationId xmlns:p14="http://schemas.microsoft.com/office/powerpoint/2010/main" val="3458528325"/>
       </p:ext>
     </p:extLst>
   </p:cSld>
@@ -2441,7 +2765,13 @@
       </p:grpSpPr>
       <p:sp>
         <p:nvSpPr>
-          <p:cNvPr id="2" name="Title Placeholder 1"/>
+          <p:cNvPr id="2" name="Title Placeholder 1">
+            <a:extLst>
+              <a:ext uri="{FF2B5EF4-FFF2-40B4-BE49-F238E27FC236}">
+                <a16:creationId xmlns:a16="http://schemas.microsoft.com/office/drawing/2014/main" id="{CB1E3E7D-D989-8A29-AE08-28EBB65F0C95}"/>
+              </a:ext>
+            </a:extLst>
+          </p:cNvPr>
           <p:cNvSpPr>
             <a:spLocks noGrp="1"/>
           </p:cNvSpPr>
@@ -2451,8 +2781,8 @@
         </p:nvSpPr>
         <p:spPr>
           <a:xfrm>
-            <a:off x="1100138" y="365126"/>
-            <a:ext cx="13801725" cy="1325563"/>
+            <a:off x="838200" y="365125"/>
+            <a:ext cx="10515600" cy="1325563"/>
           </a:xfrm>
           <a:prstGeom prst="rect">
             <a:avLst/>
@@ -2468,13 +2798,18 @@
               <a:rPr lang="en-US"/>
               <a:t>Click to edit Master title style</a:t>
             </a:r>
-            <a:endParaRPr lang="en-US" dirty="0"/>
-          </a:p>
-        </p:txBody>
-      </p:sp>
-      <p:sp>
-        <p:nvSpPr>
-          <p:cNvPr id="3" name="Text Placeholder 2"/>
+          </a:p>
+        </p:txBody>
+      </p:sp>
+      <p:sp>
+        <p:nvSpPr>
+          <p:cNvPr id="3" name="Text Placeholder 2">
+            <a:extLst>
+              <a:ext uri="{FF2B5EF4-FFF2-40B4-BE49-F238E27FC236}">
+                <a16:creationId xmlns:a16="http://schemas.microsoft.com/office/drawing/2014/main" id="{2344402A-649F-DB7D-A628-F82AB1584F59}"/>
+              </a:ext>
+            </a:extLst>
+          </p:cNvPr>
           <p:cNvSpPr>
             <a:spLocks noGrp="1"/>
           </p:cNvSpPr>
@@ -2484,8 +2819,8 @@
         </p:nvSpPr>
         <p:spPr>
           <a:xfrm>
-            <a:off x="1100138" y="1825625"/>
-            <a:ext cx="13801725" cy="4351338"/>
+            <a:off x="838200" y="1825625"/>
+            <a:ext cx="10515600" cy="4351338"/>
           </a:xfrm>
           <a:prstGeom prst="rect">
             <a:avLst/>
@@ -2500,7 +2835,7 @@
             <a:pPr lvl="0"/>
             <a:r>
               <a:rPr lang="en-US"/>
-              <a:t>Edit Master text styles</a:t>
+              <a:t>Click to edit Master text styles</a:t>
             </a:r>
           </a:p>
           <a:p>
@@ -2530,13 +2865,18 @@
               <a:rPr lang="en-US"/>
               <a:t>Fifth level</a:t>
             </a:r>
-            <a:endParaRPr lang="en-US" dirty="0"/>
-          </a:p>
-        </p:txBody>
-      </p:sp>
-      <p:sp>
-        <p:nvSpPr>
-          <p:cNvPr id="4" name="Date Placeholder 3"/>
+          </a:p>
+        </p:txBody>
+      </p:sp>
+      <p:sp>
+        <p:nvSpPr>
+          <p:cNvPr id="4" name="Date Placeholder 3">
+            <a:extLst>
+              <a:ext uri="{FF2B5EF4-FFF2-40B4-BE49-F238E27FC236}">
+                <a16:creationId xmlns:a16="http://schemas.microsoft.com/office/drawing/2014/main" id="{51E42D92-5CF3-A279-00B4-F7C05525EDAE}"/>
+              </a:ext>
+            </a:extLst>
+          </p:cNvPr>
           <p:cNvSpPr>
             <a:spLocks noGrp="1"/>
           </p:cNvSpPr>
@@ -2546,8 +2886,8 @@
         </p:nvSpPr>
         <p:spPr>
           <a:xfrm>
-            <a:off x="1100138" y="6356351"/>
-            <a:ext cx="3600450" cy="365125"/>
+            <a:off x="838200" y="6356350"/>
+            <a:ext cx="2743200" cy="365125"/>
           </a:xfrm>
           <a:prstGeom prst="rect">
             <a:avLst/>
@@ -2569,7 +2909,7 @@
           <a:p>
             <a:fld id="{730B001D-5C24-4F6D-9C38-E108FFB43397}" type="datetimeFigureOut">
               <a:rPr lang="en-US" smtClean="0"/>
-              <a:t>5/14/2022</a:t>
+              <a:t>14-May-22</a:t>
             </a:fld>
             <a:endParaRPr lang="en-US"/>
           </a:p>
@@ -2577,7 +2917,13 @@
       </p:sp>
       <p:sp>
         <p:nvSpPr>
-          <p:cNvPr id="5" name="Footer Placeholder 4"/>
+          <p:cNvPr id="5" name="Footer Placeholder 4">
+            <a:extLst>
+              <a:ext uri="{FF2B5EF4-FFF2-40B4-BE49-F238E27FC236}">
+                <a16:creationId xmlns:a16="http://schemas.microsoft.com/office/drawing/2014/main" id="{D8EFDF11-D1F2-00FA-DCFB-EFDEFC97E948}"/>
+              </a:ext>
+            </a:extLst>
+          </p:cNvPr>
           <p:cNvSpPr>
             <a:spLocks noGrp="1"/>
           </p:cNvSpPr>
@@ -2587,8 +2933,8 @@
         </p:nvSpPr>
         <p:spPr>
           <a:xfrm>
-            <a:off x="5300663" y="6356351"/>
-            <a:ext cx="5400675" cy="365125"/>
+            <a:off x="4038600" y="6356350"/>
+            <a:ext cx="4114800" cy="365125"/>
           </a:xfrm>
           <a:prstGeom prst="rect">
             <a:avLst/>
@@ -2614,7 +2960,13 @@
       </p:sp>
       <p:sp>
         <p:nvSpPr>
-          <p:cNvPr id="6" name="Slide Number Placeholder 5"/>
+          <p:cNvPr id="6" name="Slide Number Placeholder 5">
+            <a:extLst>
+              <a:ext uri="{FF2B5EF4-FFF2-40B4-BE49-F238E27FC236}">
+                <a16:creationId xmlns:a16="http://schemas.microsoft.com/office/drawing/2014/main" id="{836E9D24-F123-2CF6-256A-28ACB533DC25}"/>
+              </a:ext>
+            </a:extLst>
+          </p:cNvPr>
           <p:cNvSpPr>
             <a:spLocks noGrp="1"/>
           </p:cNvSpPr>
@@ -2624,8 +2976,8 @@
         </p:nvSpPr>
         <p:spPr>
           <a:xfrm>
-            <a:off x="11301413" y="6356351"/>
-            <a:ext cx="3600450" cy="365125"/>
+            <a:off x="8610600" y="6356350"/>
+            <a:ext cx="2743200" cy="365125"/>
           </a:xfrm>
           <a:prstGeom prst="rect">
             <a:avLst/>
@@ -2656,27 +3008,27 @@
     </p:spTree>
     <p:extLst>
       <p:ext uri="{BB962C8B-B14F-4D97-AF65-F5344CB8AC3E}">
-        <p14:creationId xmlns:p14="http://schemas.microsoft.com/office/powerpoint/2010/main" val="247354135"/>
+        <p14:creationId xmlns:p14="http://schemas.microsoft.com/office/powerpoint/2010/main" val="3959203621"/>
       </p:ext>
     </p:extLst>
   </p:cSld>
   <p:clrMap bg1="lt1" tx1="dk1" bg2="lt2" tx2="dk2" accent1="accent1" accent2="accent2" accent3="accent3" accent4="accent4" accent5="accent5" accent6="accent6" hlink="hlink" folHlink="folHlink"/>
   <p:sldLayoutIdLst>
-    <p:sldLayoutId id="2147483661" r:id="rId1"/>
-    <p:sldLayoutId id="2147483662" r:id="rId2"/>
-    <p:sldLayoutId id="2147483663" r:id="rId3"/>
-    <p:sldLayoutId id="2147483664" r:id="rId4"/>
-    <p:sldLayoutId id="2147483665" r:id="rId5"/>
-    <p:sldLayoutId id="2147483666" r:id="rId6"/>
-    <p:sldLayoutId id="2147483667" r:id="rId7"/>
-    <p:sldLayoutId id="2147483668" r:id="rId8"/>
-    <p:sldLayoutId id="2147483669" r:id="rId9"/>
-    <p:sldLayoutId id="2147483670" r:id="rId10"/>
-    <p:sldLayoutId id="2147483671" r:id="rId11"/>
+    <p:sldLayoutId id="2147483649" r:id="rId1"/>
+    <p:sldLayoutId id="2147483650" r:id="rId2"/>
+    <p:sldLayoutId id="2147483651" r:id="rId3"/>
+    <p:sldLayoutId id="2147483652" r:id="rId4"/>
+    <p:sldLayoutId id="2147483653" r:id="rId5"/>
+    <p:sldLayoutId id="2147483654" r:id="rId6"/>
+    <p:sldLayoutId id="2147483655" r:id="rId7"/>
+    <p:sldLayoutId id="2147483656" r:id="rId8"/>
+    <p:sldLayoutId id="2147483657" r:id="rId9"/>
+    <p:sldLayoutId id="2147483658" r:id="rId10"/>
+    <p:sldLayoutId id="2147483659" r:id="rId11"/>
   </p:sldLayoutIdLst>
   <p:txStyles>
     <p:titleStyle>
-      <a:lvl1pPr algn="l" defTabSz="914400" rtl="1" eaLnBrk="1" latinLnBrk="0" hangingPunct="1">
+      <a:lvl1pPr algn="l" defTabSz="914399" rtl="0" eaLnBrk="1" latinLnBrk="0" hangingPunct="1">
         <a:lnSpc>
           <a:spcPct val="90000"/>
         </a:lnSpc>
@@ -2695,7 +3047,7 @@
       </a:lvl1pPr>
     </p:titleStyle>
     <p:bodyStyle>
-      <a:lvl1pPr marL="228600" indent="-228600" algn="r" defTabSz="914400" rtl="1" eaLnBrk="1" latinLnBrk="0" hangingPunct="1">
+      <a:lvl1pPr marL="228600" indent="-228600" algn="l" defTabSz="914399" rtl="0" eaLnBrk="1" latinLnBrk="0" hangingPunct="1">
         <a:lnSpc>
           <a:spcPct val="90000"/>
         </a:lnSpc>
@@ -2713,7 +3065,7 @@
           <a:cs typeface="+mn-cs"/>
         </a:defRPr>
       </a:lvl1pPr>
-      <a:lvl2pPr marL="685800" indent="-228600" algn="r" defTabSz="914400" rtl="1" eaLnBrk="1" latinLnBrk="0" hangingPunct="1">
+      <a:lvl2pPr marL="685799" indent="-228600" algn="l" defTabSz="914399" rtl="0" eaLnBrk="1" latinLnBrk="0" hangingPunct="1">
         <a:lnSpc>
           <a:spcPct val="90000"/>
         </a:lnSpc>
@@ -2731,7 +3083,7 @@
           <a:cs typeface="+mn-cs"/>
         </a:defRPr>
       </a:lvl2pPr>
-      <a:lvl3pPr marL="1143000" indent="-228600" algn="r" defTabSz="914400" rtl="1" eaLnBrk="1" latinLnBrk="0" hangingPunct="1">
+      <a:lvl3pPr marL="1142999" indent="-228600" algn="l" defTabSz="914399" rtl="0" eaLnBrk="1" latinLnBrk="0" hangingPunct="1">
         <a:lnSpc>
           <a:spcPct val="90000"/>
         </a:lnSpc>
@@ -2749,7 +3101,7 @@
           <a:cs typeface="+mn-cs"/>
         </a:defRPr>
       </a:lvl3pPr>
-      <a:lvl4pPr marL="1600200" indent="-228600" algn="r" defTabSz="914400" rtl="1" eaLnBrk="1" latinLnBrk="0" hangingPunct="1">
+      <a:lvl4pPr marL="1600198" indent="-228600" algn="l" defTabSz="914399" rtl="0" eaLnBrk="1" latinLnBrk="0" hangingPunct="1">
         <a:lnSpc>
           <a:spcPct val="90000"/>
         </a:lnSpc>
@@ -2767,7 +3119,7 @@
           <a:cs typeface="+mn-cs"/>
         </a:defRPr>
       </a:lvl4pPr>
-      <a:lvl5pPr marL="2057400" indent="-228600" algn="r" defTabSz="914400" rtl="1" eaLnBrk="1" latinLnBrk="0" hangingPunct="1">
+      <a:lvl5pPr marL="2057398" indent="-228600" algn="l" defTabSz="914399" rtl="0" eaLnBrk="1" latinLnBrk="0" hangingPunct="1">
         <a:lnSpc>
           <a:spcPct val="90000"/>
         </a:lnSpc>
@@ -2785,7 +3137,7 @@
           <a:cs typeface="+mn-cs"/>
         </a:defRPr>
       </a:lvl5pPr>
-      <a:lvl6pPr marL="2514600" indent="-228600" algn="r" defTabSz="914400" rtl="1" eaLnBrk="1" latinLnBrk="0" hangingPunct="1">
+      <a:lvl6pPr marL="2514597" indent="-228600" algn="l" defTabSz="914399" rtl="0" eaLnBrk="1" latinLnBrk="0" hangingPunct="1">
         <a:lnSpc>
           <a:spcPct val="90000"/>
         </a:lnSpc>
@@ -2803,7 +3155,7 @@
           <a:cs typeface="+mn-cs"/>
         </a:defRPr>
       </a:lvl6pPr>
-      <a:lvl7pPr marL="2971800" indent="-228600" algn="r" defTabSz="914400" rtl="1" eaLnBrk="1" latinLnBrk="0" hangingPunct="1">
+      <a:lvl7pPr marL="2971797" indent="-228600" algn="l" defTabSz="914399" rtl="0" eaLnBrk="1" latinLnBrk="0" hangingPunct="1">
         <a:lnSpc>
           <a:spcPct val="90000"/>
         </a:lnSpc>
@@ -2821,7 +3173,7 @@
           <a:cs typeface="+mn-cs"/>
         </a:defRPr>
       </a:lvl7pPr>
-      <a:lvl8pPr marL="3429000" indent="-228600" algn="r" defTabSz="914400" rtl="1" eaLnBrk="1" latinLnBrk="0" hangingPunct="1">
+      <a:lvl8pPr marL="3428997" indent="-228600" algn="l" defTabSz="914399" rtl="0" eaLnBrk="1" latinLnBrk="0" hangingPunct="1">
         <a:lnSpc>
           <a:spcPct val="90000"/>
         </a:lnSpc>
@@ -2839,7 +3191,7 @@
           <a:cs typeface="+mn-cs"/>
         </a:defRPr>
       </a:lvl8pPr>
-      <a:lvl9pPr marL="3886200" indent="-228600" algn="r" defTabSz="914400" rtl="1" eaLnBrk="1" latinLnBrk="0" hangingPunct="1">
+      <a:lvl9pPr marL="3886196" indent="-228600" algn="l" defTabSz="914399" rtl="0" eaLnBrk="1" latinLnBrk="0" hangingPunct="1">
         <a:lnSpc>
           <a:spcPct val="90000"/>
         </a:lnSpc>
@@ -2862,7 +3214,7 @@
       <a:defPPr>
         <a:defRPr lang="en-US"/>
       </a:defPPr>
-      <a:lvl1pPr marL="0" algn="r" defTabSz="914400" rtl="1" eaLnBrk="1" latinLnBrk="0" hangingPunct="1">
+      <a:lvl1pPr marL="0" algn="l" defTabSz="914399" rtl="0" eaLnBrk="1" latinLnBrk="0" hangingPunct="1">
         <a:defRPr sz="1800" kern="1200">
           <a:solidFill>
             <a:schemeClr val="tx1"/>
@@ -2872,7 +3224,7 @@
           <a:cs typeface="+mn-cs"/>
         </a:defRPr>
       </a:lvl1pPr>
-      <a:lvl2pPr marL="457200" algn="r" defTabSz="914400" rtl="1" eaLnBrk="1" latinLnBrk="0" hangingPunct="1">
+      <a:lvl2pPr marL="457200" algn="l" defTabSz="914399" rtl="0" eaLnBrk="1" latinLnBrk="0" hangingPunct="1">
         <a:defRPr sz="1800" kern="1200">
           <a:solidFill>
             <a:schemeClr val="tx1"/>
@@ -2882,7 +3234,7 @@
           <a:cs typeface="+mn-cs"/>
         </a:defRPr>
       </a:lvl2pPr>
-      <a:lvl3pPr marL="914400" algn="r" defTabSz="914400" rtl="1" eaLnBrk="1" latinLnBrk="0" hangingPunct="1">
+      <a:lvl3pPr marL="914399" algn="l" defTabSz="914399" rtl="0" eaLnBrk="1" latinLnBrk="0" hangingPunct="1">
         <a:defRPr sz="1800" kern="1200">
           <a:solidFill>
             <a:schemeClr val="tx1"/>
@@ -2892,7 +3244,7 @@
           <a:cs typeface="+mn-cs"/>
         </a:defRPr>
       </a:lvl3pPr>
-      <a:lvl4pPr marL="1371600" algn="r" defTabSz="914400" rtl="1" eaLnBrk="1" latinLnBrk="0" hangingPunct="1">
+      <a:lvl4pPr marL="1371599" algn="l" defTabSz="914399" rtl="0" eaLnBrk="1" latinLnBrk="0" hangingPunct="1">
         <a:defRPr sz="1800" kern="1200">
           <a:solidFill>
             <a:schemeClr val="tx1"/>
@@ -2902,7 +3254,7 @@
           <a:cs typeface="+mn-cs"/>
         </a:defRPr>
       </a:lvl4pPr>
-      <a:lvl5pPr marL="1828800" algn="r" defTabSz="914400" rtl="1" eaLnBrk="1" latinLnBrk="0" hangingPunct="1">
+      <a:lvl5pPr marL="1828798" algn="l" defTabSz="914399" rtl="0" eaLnBrk="1" latinLnBrk="0" hangingPunct="1">
         <a:defRPr sz="1800" kern="1200">
           <a:solidFill>
             <a:schemeClr val="tx1"/>
@@ -2912,7 +3264,7 @@
           <a:cs typeface="+mn-cs"/>
         </a:defRPr>
       </a:lvl5pPr>
-      <a:lvl6pPr marL="2286000" algn="r" defTabSz="914400" rtl="1" eaLnBrk="1" latinLnBrk="0" hangingPunct="1">
+      <a:lvl6pPr marL="2285998" algn="l" defTabSz="914399" rtl="0" eaLnBrk="1" latinLnBrk="0" hangingPunct="1">
         <a:defRPr sz="1800" kern="1200">
           <a:solidFill>
             <a:schemeClr val="tx1"/>
@@ -2922,7 +3274,7 @@
           <a:cs typeface="+mn-cs"/>
         </a:defRPr>
       </a:lvl6pPr>
-      <a:lvl7pPr marL="2743200" algn="r" defTabSz="914400" rtl="1" eaLnBrk="1" latinLnBrk="0" hangingPunct="1">
+      <a:lvl7pPr marL="2743197" algn="l" defTabSz="914399" rtl="0" eaLnBrk="1" latinLnBrk="0" hangingPunct="1">
         <a:defRPr sz="1800" kern="1200">
           <a:solidFill>
             <a:schemeClr val="tx1"/>
@@ -2932,7 +3284,7 @@
           <a:cs typeface="+mn-cs"/>
         </a:defRPr>
       </a:lvl7pPr>
-      <a:lvl8pPr marL="3200400" algn="r" defTabSz="914400" rtl="1" eaLnBrk="1" latinLnBrk="0" hangingPunct="1">
+      <a:lvl8pPr marL="3200397" algn="l" defTabSz="914399" rtl="0" eaLnBrk="1" latinLnBrk="0" hangingPunct="1">
         <a:defRPr sz="1800" kern="1200">
           <a:solidFill>
             <a:schemeClr val="tx1"/>
@@ -2942,7 +3294,7 @@
           <a:cs typeface="+mn-cs"/>
         </a:defRPr>
       </a:lvl8pPr>
-      <a:lvl9pPr marL="3657600" algn="r" defTabSz="914400" rtl="1" eaLnBrk="1" latinLnBrk="0" hangingPunct="1">
+      <a:lvl9pPr marL="3657596" algn="l" defTabSz="914399" rtl="0" eaLnBrk="1" latinLnBrk="0" hangingPunct="1">
         <a:defRPr sz="1800" kern="1200">
           <a:solidFill>
             <a:schemeClr val="tx1"/>
@@ -2974,42 +3326,12 @@
           <a:chExt cx="0" cy="0"/>
         </a:xfrm>
       </p:grpSpPr>
-    </p:spTree>
-    <p:extLst>
-      <p:ext uri="{BB962C8B-B14F-4D97-AF65-F5344CB8AC3E}">
-        <p14:creationId xmlns:p14="http://schemas.microsoft.com/office/powerpoint/2010/main" val="174225236"/>
-      </p:ext>
-    </p:extLst>
-  </p:cSld>
-  <p:clrMapOvr>
-    <a:masterClrMapping/>
-  </p:clrMapOvr>
-</p:sld>
-</file>
-
-<file path=ppt/slides/slide2.xml><?xml version="1.0" encoding="utf-8"?>
-<p:sld xmlns:a="http://schemas.openxmlformats.org/drawingml/2006/main" xmlns:r="http://schemas.openxmlformats.org/officeDocument/2006/relationships" xmlns:p="http://schemas.openxmlformats.org/presentationml/2006/main">
-  <p:cSld>
-    <p:spTree>
-      <p:nvGrpSpPr>
-        <p:cNvPr id="1" name=""/>
-        <p:cNvGrpSpPr/>
-        <p:nvPr/>
-      </p:nvGrpSpPr>
-      <p:grpSpPr>
-        <a:xfrm>
-          <a:off x="0" y="0"/>
-          <a:ext cx="0" cy="0"/>
-          <a:chOff x="0" y="0"/>
-          <a:chExt cx="0" cy="0"/>
-        </a:xfrm>
-      </p:grpSpPr>
       <p:grpSp>
         <p:nvGrpSpPr>
-          <p:cNvPr id="63" name="Group 62">
-            <a:extLst>
-              <a:ext uri="{FF2B5EF4-FFF2-40B4-BE49-F238E27FC236}">
-                <a16:creationId xmlns:a16="http://schemas.microsoft.com/office/drawing/2014/main" id="{BE0BCB9C-71AF-542C-F0F3-EF10B3D07BBB}"/>
+          <p:cNvPr id="4" name="Group 3">
+            <a:extLst>
+              <a:ext uri="{FF2B5EF4-FFF2-40B4-BE49-F238E27FC236}">
+                <a16:creationId xmlns:a16="http://schemas.microsoft.com/office/drawing/2014/main" id="{7ED8537A-0922-C511-46CF-E34D2F2D7753}"/>
               </a:ext>
             </a:extLst>
           </p:cNvPr>
@@ -3018,18 +3340,18 @@
         </p:nvGrpSpPr>
         <p:grpSpPr>
           <a:xfrm>
-            <a:off x="824141" y="120308"/>
-            <a:ext cx="1665292" cy="480060"/>
+            <a:off x="258640" y="3493030"/>
+            <a:ext cx="1268794" cy="365760"/>
             <a:chOff x="627917" y="908092"/>
             <a:chExt cx="1268794" cy="365760"/>
           </a:xfrm>
         </p:grpSpPr>
         <p:sp>
           <p:nvSpPr>
-            <p:cNvPr id="40" name="TextBox 39">
+            <p:cNvPr id="5" name="TextBox 4">
               <a:extLst>
                 <a:ext uri="{FF2B5EF4-FFF2-40B4-BE49-F238E27FC236}">
-                  <a16:creationId xmlns:a16="http://schemas.microsoft.com/office/drawing/2014/main" id="{46BE09F0-8D72-DB42-E6A0-DCFF0C0817F3}"/>
+                  <a16:creationId xmlns:a16="http://schemas.microsoft.com/office/drawing/2014/main" id="{A94972F1-1543-596B-61FE-233632CF13C9}"/>
                 </a:ext>
               </a:extLst>
             </p:cNvPr>
@@ -3039,7 +3361,7 @@
           <p:spPr>
             <a:xfrm>
               <a:off x="627917" y="952473"/>
-              <a:ext cx="488413" cy="255015"/>
+              <a:ext cx="488413" cy="276999"/>
             </a:xfrm>
             <a:prstGeom prst="rect">
               <a:avLst/>
@@ -3053,7 +3375,7 @@
             <a:lstStyle/>
             <a:p>
               <a:r>
-                <a:rPr lang="en-US" sz="1575" dirty="0"/>
+                <a:rPr lang="en-US" sz="1200" dirty="0"/>
                 <a:t>Start</a:t>
               </a:r>
             </a:p>
@@ -3061,24 +3383,24 @@
         </p:sp>
         <p:cxnSp>
           <p:nvCxnSpPr>
-            <p:cNvPr id="41" name="Straight Arrow Connector 40">
+            <p:cNvPr id="6" name="Straight Arrow Connector 5">
               <a:extLst>
                 <a:ext uri="{FF2B5EF4-FFF2-40B4-BE49-F238E27FC236}">
-                  <a16:creationId xmlns:a16="http://schemas.microsoft.com/office/drawing/2014/main" id="{F0C2978E-D7AB-9663-D9D6-790ACE6CD17E}"/>
+                  <a16:creationId xmlns:a16="http://schemas.microsoft.com/office/drawing/2014/main" id="{FCD688F0-C764-884E-0843-2C05829D3AC9}"/>
                 </a:ext>
               </a:extLst>
             </p:cNvPr>
             <p:cNvCxnSpPr>
               <a:cxnSpLocks/>
-              <a:stCxn id="40" idx="3"/>
-              <a:endCxn id="42" idx="2"/>
+              <a:stCxn id="5" idx="3"/>
+              <a:endCxn id="7" idx="2"/>
             </p:cNvCxnSpPr>
             <p:nvPr/>
           </p:nvCxnSpPr>
           <p:spPr>
-            <a:xfrm>
-              <a:off x="1116330" y="1079981"/>
-              <a:ext cx="414621" cy="10991"/>
+            <a:xfrm flipV="1">
+              <a:off x="1116330" y="1090972"/>
+              <a:ext cx="414621" cy="1"/>
             </a:xfrm>
             <a:prstGeom prst="straightConnector1">
               <a:avLst/>
@@ -3104,10 +3426,10 @@
         </p:cxnSp>
         <p:sp>
           <p:nvSpPr>
-            <p:cNvPr id="42" name="Oval 41">
+            <p:cNvPr id="7" name="Oval 6">
               <a:extLst>
                 <a:ext uri="{FF2B5EF4-FFF2-40B4-BE49-F238E27FC236}">
-                  <a16:creationId xmlns:a16="http://schemas.microsoft.com/office/drawing/2014/main" id="{4CB70878-1ADB-2C11-4314-F734D16ECA29}"/>
+                  <a16:creationId xmlns:a16="http://schemas.microsoft.com/office/drawing/2014/main" id="{02CE14AB-EE24-5823-AF0F-426281327E93}"/>
                 </a:ext>
               </a:extLst>
             </p:cNvPr>
@@ -3146,7 +3468,7 @@
             <a:p>
               <a:pPr algn="ctr"/>
               <a:r>
-                <a:rPr lang="en-US" sz="2100" dirty="0">
+                <a:rPr lang="en-US" sz="1600" dirty="0">
                   <a:solidFill>
                     <a:schemeClr val="tx1"/>
                   </a:solidFill>
@@ -3157,12 +3479,265 @@
           </p:txBody>
         </p:sp>
       </p:grpSp>
-      <p:sp>
-        <p:nvSpPr>
-          <p:cNvPr id="22" name="Oval 21">
-            <a:extLst>
-              <a:ext uri="{FF2B5EF4-FFF2-40B4-BE49-F238E27FC236}">
-                <a16:creationId xmlns:a16="http://schemas.microsoft.com/office/drawing/2014/main" id="{8CF77C6E-1D0A-F7FC-BD73-F6C713EF209F}"/>
+      <p:grpSp>
+        <p:nvGrpSpPr>
+          <p:cNvPr id="23" name="Group 22">
+            <a:extLst>
+              <a:ext uri="{FF2B5EF4-FFF2-40B4-BE49-F238E27FC236}">
+                <a16:creationId xmlns:a16="http://schemas.microsoft.com/office/drawing/2014/main" id="{67C0D443-57E3-1256-ADF1-F3129F0ED1E6}"/>
+              </a:ext>
+            </a:extLst>
+          </p:cNvPr>
+          <p:cNvGrpSpPr/>
+          <p:nvPr/>
+        </p:nvGrpSpPr>
+        <p:grpSpPr>
+          <a:xfrm>
+            <a:off x="1527434" y="3675910"/>
+            <a:ext cx="7335800" cy="232492"/>
+            <a:chOff x="1708144" y="2035990"/>
+            <a:chExt cx="7335800" cy="232492"/>
+          </a:xfrm>
+        </p:grpSpPr>
+        <p:cxnSp>
+          <p:nvCxnSpPr>
+            <p:cNvPr id="24" name="Straight Arrow Connector 23">
+              <a:extLst>
+                <a:ext uri="{FF2B5EF4-FFF2-40B4-BE49-F238E27FC236}">
+                  <a16:creationId xmlns:a16="http://schemas.microsoft.com/office/drawing/2014/main" id="{C4589AE4-6143-1EB8-4133-2CEF49106EE4}"/>
+                </a:ext>
+              </a:extLst>
+            </p:cNvPr>
+            <p:cNvCxnSpPr>
+              <a:cxnSpLocks/>
+              <a:stCxn id="7" idx="6"/>
+              <a:endCxn id="58" idx="2"/>
+            </p:cNvCxnSpPr>
+            <p:nvPr/>
+          </p:nvCxnSpPr>
+          <p:spPr>
+            <a:xfrm>
+              <a:off x="1708144" y="2035990"/>
+              <a:ext cx="7335800" cy="0"/>
+            </a:xfrm>
+            <a:prstGeom prst="straightConnector1">
+              <a:avLst/>
+            </a:prstGeom>
+            <a:ln w="9525">
+              <a:tailEnd type="triangle"/>
+            </a:ln>
+          </p:spPr>
+          <p:style>
+            <a:lnRef idx="1">
+              <a:schemeClr val="dk1"/>
+            </a:lnRef>
+            <a:fillRef idx="0">
+              <a:schemeClr val="dk1"/>
+            </a:fillRef>
+            <a:effectRef idx="0">
+              <a:schemeClr val="dk1"/>
+            </a:effectRef>
+            <a:fontRef idx="minor">
+              <a:schemeClr val="tx1"/>
+            </a:fontRef>
+          </p:style>
+        </p:cxnSp>
+        <p:sp>
+          <p:nvSpPr>
+            <p:cNvPr id="25" name="TextBox 24">
+              <a:extLst>
+                <a:ext uri="{FF2B5EF4-FFF2-40B4-BE49-F238E27FC236}">
+                  <a16:creationId xmlns:a16="http://schemas.microsoft.com/office/drawing/2014/main" id="{346E8892-77AC-B16D-9062-84C1FEAAB2D6}"/>
+                </a:ext>
+              </a:extLst>
+            </p:cNvPr>
+            <p:cNvSpPr txBox="1"/>
+            <p:nvPr/>
+          </p:nvSpPr>
+          <p:spPr>
+            <a:xfrm>
+              <a:off x="1876293" y="2037650"/>
+              <a:ext cx="5258824" cy="230832"/>
+            </a:xfrm>
+            <a:prstGeom prst="rect">
+              <a:avLst/>
+            </a:prstGeom>
+            <a:noFill/>
+          </p:spPr>
+          <p:txBody>
+            <a:bodyPr wrap="square" rtlCol="0">
+              <a:spAutoFit/>
+            </a:bodyPr>
+            <a:lstStyle/>
+            <a:p>
+              <a:r>
+                <a:rPr lang="pt-BR" sz="900" b="1" dirty="0"/>
+                <a:t>A,B,C,E,F,G,H,I,J,K,L,M,N,O,P,Q,R,S,T,U,V,W,X,Y,Z,_,a,b,c,d,e,f,g,h,i,j,k,l,m,n,o,p,q,r,s,t,u,v,w,x,y,z</a:t>
+              </a:r>
+              <a:endParaRPr lang="en-US" sz="900" b="1" dirty="0"/>
+            </a:p>
+          </p:txBody>
+        </p:sp>
+      </p:grpSp>
+      <p:grpSp>
+        <p:nvGrpSpPr>
+          <p:cNvPr id="88" name="Group 87">
+            <a:extLst>
+              <a:ext uri="{FF2B5EF4-FFF2-40B4-BE49-F238E27FC236}">
+                <a16:creationId xmlns:a16="http://schemas.microsoft.com/office/drawing/2014/main" id="{C0D41BE8-1971-2E8E-62B9-D15520124405}"/>
+              </a:ext>
+            </a:extLst>
+          </p:cNvPr>
+          <p:cNvGrpSpPr/>
+          <p:nvPr/>
+        </p:nvGrpSpPr>
+        <p:grpSpPr>
+          <a:xfrm>
+            <a:off x="627917" y="908092"/>
+            <a:ext cx="1268794" cy="365760"/>
+            <a:chOff x="627917" y="908092"/>
+            <a:chExt cx="1268794" cy="365760"/>
+          </a:xfrm>
+        </p:grpSpPr>
+        <p:sp>
+          <p:nvSpPr>
+            <p:cNvPr id="89" name="TextBox 88">
+              <a:extLst>
+                <a:ext uri="{FF2B5EF4-FFF2-40B4-BE49-F238E27FC236}">
+                  <a16:creationId xmlns:a16="http://schemas.microsoft.com/office/drawing/2014/main" id="{C41F2B83-E78A-EF8A-B6FF-61C2E0CFF3D2}"/>
+                </a:ext>
+              </a:extLst>
+            </p:cNvPr>
+            <p:cNvSpPr txBox="1"/>
+            <p:nvPr/>
+          </p:nvSpPr>
+          <p:spPr>
+            <a:xfrm>
+              <a:off x="627917" y="952473"/>
+              <a:ext cx="488413" cy="276999"/>
+            </a:xfrm>
+            <a:prstGeom prst="rect">
+              <a:avLst/>
+            </a:prstGeom>
+            <a:noFill/>
+          </p:spPr>
+          <p:txBody>
+            <a:bodyPr wrap="square" rtlCol="0">
+              <a:spAutoFit/>
+            </a:bodyPr>
+            <a:lstStyle/>
+            <a:p>
+              <a:r>
+                <a:rPr lang="en-US" sz="1200" dirty="0"/>
+                <a:t>Start</a:t>
+              </a:r>
+            </a:p>
+          </p:txBody>
+        </p:sp>
+        <p:cxnSp>
+          <p:nvCxnSpPr>
+            <p:cNvPr id="90" name="Straight Arrow Connector 89">
+              <a:extLst>
+                <a:ext uri="{FF2B5EF4-FFF2-40B4-BE49-F238E27FC236}">
+                  <a16:creationId xmlns:a16="http://schemas.microsoft.com/office/drawing/2014/main" id="{8054E8F4-0705-1481-A0D0-C76F8D10AA4A}"/>
+                </a:ext>
+              </a:extLst>
+            </p:cNvPr>
+            <p:cNvCxnSpPr>
+              <a:cxnSpLocks/>
+              <a:stCxn id="89" idx="3"/>
+              <a:endCxn id="91" idx="2"/>
+            </p:cNvCxnSpPr>
+            <p:nvPr/>
+          </p:nvCxnSpPr>
+          <p:spPr>
+            <a:xfrm flipV="1">
+              <a:off x="1116330" y="1090972"/>
+              <a:ext cx="414621" cy="1"/>
+            </a:xfrm>
+            <a:prstGeom prst="straightConnector1">
+              <a:avLst/>
+            </a:prstGeom>
+            <a:ln w="9525">
+              <a:tailEnd type="triangle"/>
+            </a:ln>
+          </p:spPr>
+          <p:style>
+            <a:lnRef idx="1">
+              <a:schemeClr val="dk1"/>
+            </a:lnRef>
+            <a:fillRef idx="0">
+              <a:schemeClr val="dk1"/>
+            </a:fillRef>
+            <a:effectRef idx="0">
+              <a:schemeClr val="dk1"/>
+            </a:effectRef>
+            <a:fontRef idx="minor">
+              <a:schemeClr val="tx1"/>
+            </a:fontRef>
+          </p:style>
+        </p:cxnSp>
+        <p:sp>
+          <p:nvSpPr>
+            <p:cNvPr id="91" name="Oval 90">
+              <a:extLst>
+                <a:ext uri="{FF2B5EF4-FFF2-40B4-BE49-F238E27FC236}">
+                  <a16:creationId xmlns:a16="http://schemas.microsoft.com/office/drawing/2014/main" id="{ABC0A074-553F-D830-0E90-C896EB73A490}"/>
+                </a:ext>
+              </a:extLst>
+            </p:cNvPr>
+            <p:cNvSpPr/>
+            <p:nvPr/>
+          </p:nvSpPr>
+          <p:spPr>
+            <a:xfrm>
+              <a:off x="1530951" y="908092"/>
+              <a:ext cx="365760" cy="365760"/>
+            </a:xfrm>
+            <a:prstGeom prst="ellipse">
+              <a:avLst/>
+            </a:prstGeom>
+            <a:noFill/>
+          </p:spPr>
+          <p:style>
+            <a:lnRef idx="2">
+              <a:schemeClr val="dk1">
+                <a:shade val="50000"/>
+              </a:schemeClr>
+            </a:lnRef>
+            <a:fillRef idx="1">
+              <a:schemeClr val="dk1"/>
+            </a:fillRef>
+            <a:effectRef idx="0">
+              <a:schemeClr val="dk1"/>
+            </a:effectRef>
+            <a:fontRef idx="minor">
+              <a:schemeClr val="lt1"/>
+            </a:fontRef>
+          </p:style>
+          <p:txBody>
+            <a:bodyPr rtlCol="0" anchor="ctr"/>
+            <a:lstStyle/>
+            <a:p>
+              <a:pPr algn="ctr"/>
+              <a:r>
+                <a:rPr lang="en-US" sz="1600" dirty="0">
+                  <a:solidFill>
+                    <a:schemeClr val="tx1"/>
+                  </a:solidFill>
+                </a:rPr>
+                <a:t>0</a:t>
+              </a:r>
+            </a:p>
+          </p:txBody>
+        </p:sp>
+      </p:grpSp>
+      <p:sp>
+        <p:nvSpPr>
+          <p:cNvPr id="92" name="Oval 91">
+            <a:extLst>
+              <a:ext uri="{FF2B5EF4-FFF2-40B4-BE49-F238E27FC236}">
+                <a16:creationId xmlns:a16="http://schemas.microsoft.com/office/drawing/2014/main" id="{D395BEA7-0C79-D382-864F-7946C896DDD1}"/>
               </a:ext>
             </a:extLst>
           </p:cNvPr>
@@ -3171,8 +3746,8 @@
         </p:nvSpPr>
         <p:spPr>
           <a:xfrm>
-            <a:off x="4464817" y="120455"/>
-            <a:ext cx="480060" cy="480060"/>
+            <a:off x="3401765" y="908204"/>
+            <a:ext cx="365760" cy="365760"/>
           </a:xfrm>
           <a:prstGeom prst="ellipse">
             <a:avLst/>
@@ -3201,7 +3776,7 @@
           <a:p>
             <a:pPr algn="ctr"/>
             <a:r>
-              <a:rPr lang="en-US" sz="2100" dirty="0">
+              <a:rPr lang="en-US" sz="1600" dirty="0">
                 <a:solidFill>
                   <a:schemeClr val="tx1"/>
                 </a:solidFill>
@@ -3213,10 +3788,10 @@
       </p:sp>
       <p:grpSp>
         <p:nvGrpSpPr>
-          <p:cNvPr id="10" name="Group 9">
-            <a:extLst>
-              <a:ext uri="{FF2B5EF4-FFF2-40B4-BE49-F238E27FC236}">
-                <a16:creationId xmlns:a16="http://schemas.microsoft.com/office/drawing/2014/main" id="{AE3EDFEA-9327-69B8-1CF2-05DFF56FA0C0}"/>
+          <p:cNvPr id="93" name="Group 92">
+            <a:extLst>
+              <a:ext uri="{FF2B5EF4-FFF2-40B4-BE49-F238E27FC236}">
+                <a16:creationId xmlns:a16="http://schemas.microsoft.com/office/drawing/2014/main" id="{9885FAB7-A4BC-EDA2-ADFC-E25AAACC5F94}"/>
               </a:ext>
             </a:extLst>
           </p:cNvPr>
@@ -3225,18 +3800,18 @@
         </p:nvGrpSpPr>
         <p:grpSpPr>
           <a:xfrm>
-            <a:off x="3247072" y="305385"/>
-            <a:ext cx="700135" cy="274048"/>
+            <a:off x="2473960" y="1049105"/>
+            <a:ext cx="533436" cy="230832"/>
             <a:chOff x="2704902" y="2010614"/>
-            <a:chExt cx="533436" cy="208799"/>
+            <a:chExt cx="533436" cy="230832"/>
           </a:xfrm>
         </p:grpSpPr>
         <p:cxnSp>
           <p:nvCxnSpPr>
-            <p:cNvPr id="21" name="Straight Arrow Connector 20">
+            <p:cNvPr id="94" name="Straight Arrow Connector 93">
               <a:extLst>
                 <a:ext uri="{FF2B5EF4-FFF2-40B4-BE49-F238E27FC236}">
-                  <a16:creationId xmlns:a16="http://schemas.microsoft.com/office/drawing/2014/main" id="{336BEF5D-1419-242D-E289-1C289383C441}"/>
+                  <a16:creationId xmlns:a16="http://schemas.microsoft.com/office/drawing/2014/main" id="{B1EB492B-8708-9BCA-3E05-694E01483E3D}"/>
                 </a:ext>
               </a:extLst>
             </p:cNvPr>
@@ -3274,10 +3849,10 @@
         </p:cxnSp>
         <p:sp>
           <p:nvSpPr>
-            <p:cNvPr id="24" name="TextBox 23">
+            <p:cNvPr id="95" name="TextBox 94">
               <a:extLst>
                 <a:ext uri="{FF2B5EF4-FFF2-40B4-BE49-F238E27FC236}">
-                  <a16:creationId xmlns:a16="http://schemas.microsoft.com/office/drawing/2014/main" id="{97456F65-DFCA-CAAC-E9E3-913578CD8052}"/>
+                  <a16:creationId xmlns:a16="http://schemas.microsoft.com/office/drawing/2014/main" id="{A0E2E61F-5F81-6340-33B5-C94D2CD12D6E}"/>
                 </a:ext>
               </a:extLst>
             </p:cNvPr>
@@ -3287,7 +3862,7 @@
           <p:spPr>
             <a:xfrm>
               <a:off x="2842733" y="2010614"/>
-              <a:ext cx="150495" cy="208799"/>
+              <a:ext cx="150495" cy="230832"/>
             </a:xfrm>
             <a:prstGeom prst="rect">
               <a:avLst/>
@@ -3301,7 +3876,7 @@
             <a:lstStyle/>
             <a:p>
               <a:r>
-                <a:rPr lang="en-US" sz="1181" b="1" dirty="0"/>
+                <a:rPr lang="en-US" sz="900" b="1" dirty="0"/>
                 <a:t>C</a:t>
               </a:r>
             </a:p>
@@ -3310,10 +3885,10 @@
       </p:grpSp>
       <p:sp>
         <p:nvSpPr>
-          <p:cNvPr id="28" name="Oval 27">
-            <a:extLst>
-              <a:ext uri="{FF2B5EF4-FFF2-40B4-BE49-F238E27FC236}">
-                <a16:creationId xmlns:a16="http://schemas.microsoft.com/office/drawing/2014/main" id="{4B97BBBB-EE05-502C-7F65-1B3B0CC2B639}"/>
+          <p:cNvPr id="96" name="Oval 95">
+            <a:extLst>
+              <a:ext uri="{FF2B5EF4-FFF2-40B4-BE49-F238E27FC236}">
+                <a16:creationId xmlns:a16="http://schemas.microsoft.com/office/drawing/2014/main" id="{056127A4-C4E2-8B52-2AB0-41FA6A6334B7}"/>
               </a:ext>
             </a:extLst>
           </p:cNvPr>
@@ -3322,8 +3897,8 @@
         </p:nvSpPr>
         <p:spPr>
           <a:xfrm>
-            <a:off x="5489067" y="120308"/>
-            <a:ext cx="480060" cy="480060"/>
+            <a:off x="4182146" y="908092"/>
+            <a:ext cx="365760" cy="365760"/>
           </a:xfrm>
           <a:prstGeom prst="ellipse">
             <a:avLst/>
@@ -3353,7 +3928,7 @@
           <a:p>
             <a:pPr algn="ctr"/>
             <a:r>
-              <a:rPr lang="en-US" sz="2100" dirty="0">
+              <a:rPr lang="en-US" sz="1600" dirty="0">
                 <a:solidFill>
                   <a:schemeClr val="tx1"/>
                 </a:solidFill>
@@ -3365,10 +3940,10 @@
       </p:sp>
       <p:grpSp>
         <p:nvGrpSpPr>
-          <p:cNvPr id="57" name="Group 56">
-            <a:extLst>
-              <a:ext uri="{FF2B5EF4-FFF2-40B4-BE49-F238E27FC236}">
-                <a16:creationId xmlns:a16="http://schemas.microsoft.com/office/drawing/2014/main" id="{EB1F6FC2-2170-45C8-EFDD-DBB631AB5AEE}"/>
+          <p:cNvPr id="97" name="Group 96">
+            <a:extLst>
+              <a:ext uri="{FF2B5EF4-FFF2-40B4-BE49-F238E27FC236}">
+                <a16:creationId xmlns:a16="http://schemas.microsoft.com/office/drawing/2014/main" id="{E34CBCFC-BBBF-7D55-05F8-60A8A0E6867C}"/>
               </a:ext>
             </a:extLst>
           </p:cNvPr>
@@ -3377,18 +3952,18 @@
         </p:nvGrpSpPr>
         <p:grpSpPr>
           <a:xfrm>
-            <a:off x="6706811" y="120308"/>
-            <a:ext cx="480060" cy="894384"/>
+            <a:off x="5109951" y="908092"/>
+            <a:ext cx="365760" cy="703469"/>
             <a:chOff x="5215922" y="461052"/>
-            <a:chExt cx="365760" cy="681436"/>
+            <a:chExt cx="365760" cy="703469"/>
           </a:xfrm>
         </p:grpSpPr>
         <p:sp>
           <p:nvSpPr>
-            <p:cNvPr id="50" name="Oval 49">
+            <p:cNvPr id="98" name="Oval 97">
               <a:extLst>
                 <a:ext uri="{FF2B5EF4-FFF2-40B4-BE49-F238E27FC236}">
-                  <a16:creationId xmlns:a16="http://schemas.microsoft.com/office/drawing/2014/main" id="{AE38CCAE-AE0A-B5C5-8200-3D5406E333E2}"/>
+                  <a16:creationId xmlns:a16="http://schemas.microsoft.com/office/drawing/2014/main" id="{4A957AA2-14A5-B5E4-E8C4-7717D4E86344}"/>
                 </a:ext>
               </a:extLst>
             </p:cNvPr>
@@ -3427,7 +4002,7 @@
             <a:p>
               <a:pPr algn="ctr"/>
               <a:r>
-                <a:rPr lang="en-US" sz="2100" dirty="0">
+                <a:rPr lang="en-US" sz="1600" dirty="0">
                   <a:solidFill>
                     <a:schemeClr val="tx1"/>
                   </a:solidFill>
@@ -3439,10 +4014,10 @@
         </p:sp>
         <p:grpSp>
           <p:nvGrpSpPr>
-            <p:cNvPr id="52" name="Group 51">
+            <p:cNvPr id="99" name="Group 98">
               <a:extLst>
                 <a:ext uri="{FF2B5EF4-FFF2-40B4-BE49-F238E27FC236}">
-                  <a16:creationId xmlns:a16="http://schemas.microsoft.com/office/drawing/2014/main" id="{ADF846EE-BA33-AB5E-5342-1E03B28D76D0}"/>
+                  <a16:creationId xmlns:a16="http://schemas.microsoft.com/office/drawing/2014/main" id="{3F1FBD66-67DA-5B86-6111-152B51818C6C}"/>
                 </a:ext>
               </a:extLst>
             </p:cNvPr>
@@ -3452,17 +4027,17 @@
           <p:grpSpPr>
             <a:xfrm>
               <a:off x="5272578" y="778450"/>
-              <a:ext cx="287565" cy="364038"/>
+              <a:ext cx="287565" cy="386071"/>
               <a:chOff x="5272578" y="778450"/>
-              <a:chExt cx="287565" cy="364038"/>
+              <a:chExt cx="287565" cy="386071"/>
             </a:xfrm>
           </p:grpSpPr>
           <p:sp>
             <p:nvSpPr>
-              <p:cNvPr id="51" name="Arrow: U-Turn 50">
+              <p:cNvPr id="100" name="Arrow: U-Turn 99">
                 <a:extLst>
                   <a:ext uri="{FF2B5EF4-FFF2-40B4-BE49-F238E27FC236}">
-                    <a16:creationId xmlns:a16="http://schemas.microsoft.com/office/drawing/2014/main" id="{89122D84-E93B-5EB5-5D38-A6227C082BEA}"/>
+                    <a16:creationId xmlns:a16="http://schemas.microsoft.com/office/drawing/2014/main" id="{2B45E5BB-B252-1D38-5F66-5F7606A5E2F8}"/>
                   </a:ext>
                 </a:extLst>
               </p:cNvPr>
@@ -3513,7 +4088,7 @@
               <a:lstStyle/>
               <a:p>
                 <a:pPr algn="ctr"/>
-                <a:endParaRPr lang="en-US" sz="2363">
+                <a:endParaRPr lang="en-US">
                   <a:solidFill>
                     <a:schemeClr val="tx1"/>
                   </a:solidFill>
@@ -3523,10 +4098,10 @@
           </p:sp>
           <p:sp>
             <p:nvSpPr>
-              <p:cNvPr id="56" name="TextBox 55">
+              <p:cNvPr id="101" name="TextBox 100">
                 <a:extLst>
                   <a:ext uri="{FF2B5EF4-FFF2-40B4-BE49-F238E27FC236}">
-                    <a16:creationId xmlns:a16="http://schemas.microsoft.com/office/drawing/2014/main" id="{7BE49FB5-F484-3486-78CD-2BAE5E2BD790}"/>
+                    <a16:creationId xmlns:a16="http://schemas.microsoft.com/office/drawing/2014/main" id="{411D1716-D103-C08A-CDE7-540EE5F4A7AB}"/>
                   </a:ext>
                 </a:extLst>
               </p:cNvPr>
@@ -3536,7 +4111,7 @@
             <p:spPr>
               <a:xfrm>
                 <a:off x="5298154" y="933689"/>
-                <a:ext cx="150495" cy="208799"/>
+                <a:ext cx="150495" cy="230832"/>
               </a:xfrm>
               <a:prstGeom prst="rect">
                 <a:avLst/>
@@ -3550,7 +4125,7 @@
               <a:lstStyle/>
               <a:p>
                 <a:r>
-                  <a:rPr lang="en-US" sz="1181" b="1" dirty="0"/>
+                  <a:rPr lang="en-US" sz="900" b="1" dirty="0"/>
                   <a:t>C</a:t>
                 </a:r>
               </a:p>
@@ -3560,10 +4135,10 @@
       </p:grpSp>
       <p:grpSp>
         <p:nvGrpSpPr>
-          <p:cNvPr id="59" name="Group 58">
-            <a:extLst>
-              <a:ext uri="{FF2B5EF4-FFF2-40B4-BE49-F238E27FC236}">
-                <a16:creationId xmlns:a16="http://schemas.microsoft.com/office/drawing/2014/main" id="{EDDF1FD7-B7F6-3464-81F2-FF0C765A7B86}"/>
+          <p:cNvPr id="102" name="Group 101">
+            <a:extLst>
+              <a:ext uri="{FF2B5EF4-FFF2-40B4-BE49-F238E27FC236}">
+                <a16:creationId xmlns:a16="http://schemas.microsoft.com/office/drawing/2014/main" id="{709C987B-08DB-2559-6504-830BE16EA5F5}"/>
               </a:ext>
             </a:extLst>
           </p:cNvPr>
@@ -3572,18 +4147,18 @@
         </p:nvGrpSpPr>
         <p:grpSpPr>
           <a:xfrm>
-            <a:off x="7518856" y="120308"/>
-            <a:ext cx="480060" cy="927257"/>
+            <a:off x="5728652" y="908092"/>
+            <a:ext cx="365760" cy="728515"/>
             <a:chOff x="5215922" y="461052"/>
-            <a:chExt cx="365760" cy="706482"/>
+            <a:chExt cx="365760" cy="728515"/>
           </a:xfrm>
         </p:grpSpPr>
         <p:sp>
           <p:nvSpPr>
-            <p:cNvPr id="60" name="Oval 59">
+            <p:cNvPr id="103" name="Oval 102">
               <a:extLst>
                 <a:ext uri="{FF2B5EF4-FFF2-40B4-BE49-F238E27FC236}">
-                  <a16:creationId xmlns:a16="http://schemas.microsoft.com/office/drawing/2014/main" id="{9B94DBF8-E675-6BC1-7A5E-69090B6A1025}"/>
+                  <a16:creationId xmlns:a16="http://schemas.microsoft.com/office/drawing/2014/main" id="{9EF6ECD9-63AA-0E85-E96A-B56C01AD4F83}"/>
                 </a:ext>
               </a:extLst>
             </p:cNvPr>
@@ -3629,7 +4204,7 @@
             <a:p>
               <a:pPr algn="ctr"/>
               <a:r>
-                <a:rPr lang="en-US" sz="2100" dirty="0">
+                <a:rPr lang="en-US" sz="1600" dirty="0">
                   <a:solidFill>
                     <a:schemeClr val="tx1"/>
                   </a:solidFill>
@@ -3641,10 +4216,10 @@
         </p:sp>
         <p:grpSp>
           <p:nvGrpSpPr>
-            <p:cNvPr id="61" name="Group 60">
+            <p:cNvPr id="104" name="Group 103">
               <a:extLst>
                 <a:ext uri="{FF2B5EF4-FFF2-40B4-BE49-F238E27FC236}">
-                  <a16:creationId xmlns:a16="http://schemas.microsoft.com/office/drawing/2014/main" id="{B7DFCEDA-90C6-7734-5905-58B30C9E8D0C}"/>
+                  <a16:creationId xmlns:a16="http://schemas.microsoft.com/office/drawing/2014/main" id="{50612271-5613-0FEC-19E2-F426761E74C6}"/>
                 </a:ext>
               </a:extLst>
             </p:cNvPr>
@@ -3654,17 +4229,17 @@
           <p:grpSpPr>
             <a:xfrm>
               <a:off x="5272578" y="795619"/>
-              <a:ext cx="287565" cy="371915"/>
+              <a:ext cx="287565" cy="393948"/>
               <a:chOff x="5272578" y="795619"/>
-              <a:chExt cx="287565" cy="371915"/>
+              <a:chExt cx="287565" cy="393948"/>
             </a:xfrm>
           </p:grpSpPr>
           <p:sp>
             <p:nvSpPr>
-              <p:cNvPr id="62" name="Arrow: U-Turn 61">
+              <p:cNvPr id="105" name="Arrow: U-Turn 104">
                 <a:extLst>
                   <a:ext uri="{FF2B5EF4-FFF2-40B4-BE49-F238E27FC236}">
-                    <a16:creationId xmlns:a16="http://schemas.microsoft.com/office/drawing/2014/main" id="{AACFF243-CD19-DE6C-570C-C6306BB457DE}"/>
+                    <a16:creationId xmlns:a16="http://schemas.microsoft.com/office/drawing/2014/main" id="{39A3FBA7-34DA-BCBF-5CBB-4E5BF4E0D184}"/>
                   </a:ext>
                 </a:extLst>
               </p:cNvPr>
@@ -3715,7 +4290,7 @@
               <a:lstStyle/>
               <a:p>
                 <a:pPr algn="ctr"/>
-                <a:endParaRPr lang="en-US" sz="2363" dirty="0">
+                <a:endParaRPr lang="en-US" dirty="0">
                   <a:solidFill>
                     <a:schemeClr val="tx1"/>
                   </a:solidFill>
@@ -3725,10 +4300,10 @@
           </p:sp>
           <p:sp>
             <p:nvSpPr>
-              <p:cNvPr id="64" name="TextBox 63">
+              <p:cNvPr id="106" name="TextBox 105">
                 <a:extLst>
                   <a:ext uri="{FF2B5EF4-FFF2-40B4-BE49-F238E27FC236}">
-                    <a16:creationId xmlns:a16="http://schemas.microsoft.com/office/drawing/2014/main" id="{9C900E1D-AFC5-1D3E-366D-E1D13D8E35E1}"/>
+                    <a16:creationId xmlns:a16="http://schemas.microsoft.com/office/drawing/2014/main" id="{1EC06D05-45D1-0621-43AD-DC8C1601C717}"/>
                   </a:ext>
                 </a:extLst>
               </p:cNvPr>
@@ -3738,7 +4313,7 @@
             <p:spPr>
               <a:xfrm>
                 <a:off x="5308824" y="958735"/>
-                <a:ext cx="150495" cy="208799"/>
+                <a:ext cx="150495" cy="230832"/>
               </a:xfrm>
               <a:prstGeom prst="rect">
                 <a:avLst/>
@@ -3752,7 +4327,7 @@
               <a:lstStyle/>
               <a:p>
                 <a:r>
-                  <a:rPr lang="en-US" sz="1181" b="1" dirty="0"/>
+                  <a:rPr lang="en-US" sz="900" b="1" dirty="0"/>
                   <a:t>C</a:t>
                 </a:r>
               </a:p>
@@ -3762,10 +4337,10 @@
       </p:grpSp>
       <p:grpSp>
         <p:nvGrpSpPr>
-          <p:cNvPr id="23" name="Group 22">
-            <a:extLst>
-              <a:ext uri="{FF2B5EF4-FFF2-40B4-BE49-F238E27FC236}">
-                <a16:creationId xmlns:a16="http://schemas.microsoft.com/office/drawing/2014/main" id="{0058D847-50CB-41E2-8E06-17E33C4A1A1A}"/>
+          <p:cNvPr id="57" name="Group 56">
+            <a:extLst>
+              <a:ext uri="{FF2B5EF4-FFF2-40B4-BE49-F238E27FC236}">
+                <a16:creationId xmlns:a16="http://schemas.microsoft.com/office/drawing/2014/main" id="{9EEDF924-619D-860F-E0AD-178E5D019B8F}"/>
               </a:ext>
             </a:extLst>
           </p:cNvPr>
@@ -3774,310 +4349,18 @@
         </p:nvGrpSpPr>
         <p:grpSpPr>
           <a:xfrm>
-            <a:off x="-9970" y="3011003"/>
-            <a:ext cx="1557697" cy="480060"/>
-            <a:chOff x="627917" y="890532"/>
-            <a:chExt cx="1268794" cy="365760"/>
+            <a:off x="6094412" y="3493030"/>
+            <a:ext cx="5938520" cy="969244"/>
+            <a:chOff x="2447100" y="461052"/>
+            <a:chExt cx="5938520" cy="969244"/>
           </a:xfrm>
         </p:grpSpPr>
         <p:sp>
           <p:nvSpPr>
-            <p:cNvPr id="25" name="TextBox 24">
+            <p:cNvPr id="58" name="Oval 57">
               <a:extLst>
                 <a:ext uri="{FF2B5EF4-FFF2-40B4-BE49-F238E27FC236}">
-                  <a16:creationId xmlns:a16="http://schemas.microsoft.com/office/drawing/2014/main" id="{727C0AA3-ECF2-417E-A170-59E4B3B147B8}"/>
-                </a:ext>
-              </a:extLst>
-            </p:cNvPr>
-            <p:cNvSpPr txBox="1"/>
-            <p:nvPr/>
-          </p:nvSpPr>
-          <p:spPr>
-            <a:xfrm>
-              <a:off x="627917" y="952473"/>
-              <a:ext cx="488413" cy="255015"/>
-            </a:xfrm>
-            <a:prstGeom prst="rect">
-              <a:avLst/>
-            </a:prstGeom>
-            <a:noFill/>
-          </p:spPr>
-          <p:txBody>
-            <a:bodyPr wrap="square" rtlCol="0">
-              <a:spAutoFit/>
-            </a:bodyPr>
-            <a:lstStyle/>
-            <a:p>
-              <a:r>
-                <a:rPr lang="en-US" sz="1575" dirty="0"/>
-                <a:t>Start</a:t>
-              </a:r>
-            </a:p>
-          </p:txBody>
-        </p:sp>
-        <p:cxnSp>
-          <p:nvCxnSpPr>
-            <p:cNvPr id="26" name="Straight Arrow Connector 25">
-              <a:extLst>
-                <a:ext uri="{FF2B5EF4-FFF2-40B4-BE49-F238E27FC236}">
-                  <a16:creationId xmlns:a16="http://schemas.microsoft.com/office/drawing/2014/main" id="{10A4F81F-31BC-43D6-B23F-D783214534DC}"/>
-                </a:ext>
-              </a:extLst>
-            </p:cNvPr>
-            <p:cNvCxnSpPr>
-              <a:cxnSpLocks/>
-              <a:stCxn id="25" idx="3"/>
-              <a:endCxn id="27" idx="2"/>
-            </p:cNvCxnSpPr>
-            <p:nvPr/>
-          </p:nvCxnSpPr>
-          <p:spPr>
-            <a:xfrm flipV="1">
-              <a:off x="1116330" y="1073412"/>
-              <a:ext cx="414621" cy="6569"/>
-            </a:xfrm>
-            <a:prstGeom prst="straightConnector1">
-              <a:avLst/>
-            </a:prstGeom>
-            <a:ln w="9525">
-              <a:tailEnd type="triangle"/>
-            </a:ln>
-          </p:spPr>
-          <p:style>
-            <a:lnRef idx="1">
-              <a:schemeClr val="dk1"/>
-            </a:lnRef>
-            <a:fillRef idx="0">
-              <a:schemeClr val="dk1"/>
-            </a:fillRef>
-            <a:effectRef idx="0">
-              <a:schemeClr val="dk1"/>
-            </a:effectRef>
-            <a:fontRef idx="minor">
-              <a:schemeClr val="tx1"/>
-            </a:fontRef>
-          </p:style>
-        </p:cxnSp>
-        <p:sp>
-          <p:nvSpPr>
-            <p:cNvPr id="27" name="Oval 26">
-              <a:extLst>
-                <a:ext uri="{FF2B5EF4-FFF2-40B4-BE49-F238E27FC236}">
-                  <a16:creationId xmlns:a16="http://schemas.microsoft.com/office/drawing/2014/main" id="{AACFAD2D-2151-4E76-98F8-EE6FA796E815}"/>
-                </a:ext>
-              </a:extLst>
-            </p:cNvPr>
-            <p:cNvSpPr/>
-            <p:nvPr/>
-          </p:nvSpPr>
-          <p:spPr>
-            <a:xfrm>
-              <a:off x="1530951" y="890532"/>
-              <a:ext cx="365760" cy="365760"/>
-            </a:xfrm>
-            <a:prstGeom prst="ellipse">
-              <a:avLst/>
-            </a:prstGeom>
-            <a:noFill/>
-          </p:spPr>
-          <p:style>
-            <a:lnRef idx="2">
-              <a:schemeClr val="dk1">
-                <a:shade val="50000"/>
-              </a:schemeClr>
-            </a:lnRef>
-            <a:fillRef idx="1">
-              <a:schemeClr val="dk1"/>
-            </a:fillRef>
-            <a:effectRef idx="0">
-              <a:schemeClr val="dk1"/>
-            </a:effectRef>
-            <a:fontRef idx="minor">
-              <a:schemeClr val="lt1"/>
-            </a:fontRef>
-          </p:style>
-          <p:txBody>
-            <a:bodyPr rtlCol="0" anchor="ctr"/>
-            <a:lstStyle/>
-            <a:p>
-              <a:pPr algn="ctr"/>
-              <a:r>
-                <a:rPr lang="en-US" sz="2100" dirty="0">
-                  <a:solidFill>
-                    <a:schemeClr val="tx1"/>
-                  </a:solidFill>
-                </a:rPr>
-                <a:t>A</a:t>
-              </a:r>
-            </a:p>
-          </p:txBody>
-        </p:sp>
-      </p:grpSp>
-      <p:grpSp>
-        <p:nvGrpSpPr>
-          <p:cNvPr id="125" name="Group 124">
-            <a:extLst>
-              <a:ext uri="{FF2B5EF4-FFF2-40B4-BE49-F238E27FC236}">
-                <a16:creationId xmlns:a16="http://schemas.microsoft.com/office/drawing/2014/main" id="{34268CEA-BB37-4836-B96C-6E5DE0EA16C9}"/>
-              </a:ext>
-            </a:extLst>
-          </p:cNvPr>
-          <p:cNvGrpSpPr/>
-          <p:nvPr/>
-        </p:nvGrpSpPr>
-        <p:grpSpPr>
-          <a:xfrm>
-            <a:off x="1547727" y="3249327"/>
-            <a:ext cx="13126985" cy="49525"/>
-            <a:chOff x="-44168188" y="2008171"/>
-            <a:chExt cx="45491462" cy="1219400"/>
-          </a:xfrm>
-        </p:grpSpPr>
-        <p:cxnSp>
-          <p:nvCxnSpPr>
-            <p:cNvPr id="126" name="Straight Arrow Connector 125">
-              <a:extLst>
-                <a:ext uri="{FF2B5EF4-FFF2-40B4-BE49-F238E27FC236}">
-                  <a16:creationId xmlns:a16="http://schemas.microsoft.com/office/drawing/2014/main" id="{A6E40FC6-3184-4BCB-823D-DF602E8AC412}"/>
-                </a:ext>
-              </a:extLst>
-            </p:cNvPr>
-            <p:cNvCxnSpPr>
-              <a:cxnSpLocks/>
-              <a:stCxn id="27" idx="6"/>
-              <a:endCxn id="35" idx="2"/>
-            </p:cNvCxnSpPr>
-            <p:nvPr/>
-          </p:nvCxnSpPr>
-          <p:spPr>
-            <a:xfrm flipV="1">
-              <a:off x="-44168188" y="2008171"/>
-              <a:ext cx="4236335" cy="42005"/>
-            </a:xfrm>
-            <a:prstGeom prst="straightConnector1">
-              <a:avLst/>
-            </a:prstGeom>
-            <a:ln w="9525">
-              <a:tailEnd type="triangle"/>
-            </a:ln>
-          </p:spPr>
-          <p:style>
-            <a:lnRef idx="1">
-              <a:schemeClr val="dk1"/>
-            </a:lnRef>
-            <a:fillRef idx="0">
-              <a:schemeClr val="dk1"/>
-            </a:fillRef>
-            <a:effectRef idx="0">
-              <a:schemeClr val="dk1"/>
-            </a:effectRef>
-            <a:fontRef idx="minor">
-              <a:schemeClr val="tx1"/>
-            </a:fontRef>
-          </p:style>
-        </p:cxnSp>
-        <p:sp>
-          <p:nvSpPr>
-            <p:cNvPr id="127" name="TextBox 126">
-              <a:extLst>
-                <a:ext uri="{FF2B5EF4-FFF2-40B4-BE49-F238E27FC236}">
-                  <a16:creationId xmlns:a16="http://schemas.microsoft.com/office/drawing/2014/main" id="{C4EDEC28-DABC-437B-8EA1-2BEBA4C0C560}"/>
-                </a:ext>
-              </a:extLst>
-            </p:cNvPr>
-            <p:cNvSpPr txBox="1"/>
-            <p:nvPr/>
-          </p:nvSpPr>
-          <p:spPr>
-            <a:xfrm rot="19812038" flipH="1">
-              <a:off x="1092811" y="3040764"/>
-              <a:ext cx="230463" cy="186807"/>
-            </a:xfrm>
-            <a:prstGeom prst="rect">
-              <a:avLst/>
-            </a:prstGeom>
-            <a:noFill/>
-          </p:spPr>
-          <p:txBody>
-            <a:bodyPr wrap="square" rtlCol="0">
-              <a:spAutoFit/>
-            </a:bodyPr>
-            <a:lstStyle/>
-            <a:p>
-              <a:endParaRPr lang="en-US" sz="1181" b="1" dirty="0"/>
-            </a:p>
-          </p:txBody>
-        </p:sp>
-      </p:grpSp>
-      <p:sp>
-        <p:nvSpPr>
-          <p:cNvPr id="142" name="TextBox 141">
-            <a:extLst>
-              <a:ext uri="{FF2B5EF4-FFF2-40B4-BE49-F238E27FC236}">
-                <a16:creationId xmlns:a16="http://schemas.microsoft.com/office/drawing/2014/main" id="{A9AB76F4-9695-40A8-B409-25B81AAB08BF}"/>
-              </a:ext>
-            </a:extLst>
-          </p:cNvPr>
-          <p:cNvSpPr txBox="1"/>
-          <p:nvPr/>
-        </p:nvSpPr>
-        <p:spPr>
-          <a:xfrm>
-            <a:off x="1784005" y="3299536"/>
-            <a:ext cx="1297567" cy="553998"/>
-          </a:xfrm>
-          <a:prstGeom prst="rect">
-            <a:avLst/>
-          </a:prstGeom>
-          <a:noFill/>
-        </p:spPr>
-        <p:txBody>
-          <a:bodyPr wrap="square" rtlCol="0">
-            <a:spAutoFit/>
-          </a:bodyPr>
-          <a:lstStyle/>
-          <a:p>
-            <a:r>
-              <a:rPr lang="en-US" sz="1600" dirty="0"/>
-              <a:t>[A-Za-z_]</a:t>
-            </a:r>
-            <a:r>
-              <a:rPr lang="en-US" sz="1200" dirty="0"/>
-              <a:t> </a:t>
-            </a:r>
-            <a:br>
-              <a:rPr lang="en-US" sz="1400" dirty="0"/>
-            </a:br>
-            <a:endParaRPr lang="en-US" sz="1400" b="1" dirty="0"/>
-          </a:p>
-        </p:txBody>
-      </p:sp>
-      <p:grpSp>
-        <p:nvGrpSpPr>
-          <p:cNvPr id="30" name="Group 29">
-            <a:extLst>
-              <a:ext uri="{FF2B5EF4-FFF2-40B4-BE49-F238E27FC236}">
-                <a16:creationId xmlns:a16="http://schemas.microsoft.com/office/drawing/2014/main" id="{AF51FC19-FD8A-4C00-AEE8-BC3DCECA2971}"/>
-              </a:ext>
-            </a:extLst>
-          </p:cNvPr>
-          <p:cNvGrpSpPr/>
-          <p:nvPr/>
-        </p:nvGrpSpPr>
-        <p:grpSpPr>
-          <a:xfrm>
-            <a:off x="6723003" y="2729926"/>
-            <a:ext cx="620210" cy="1042213"/>
-            <a:chOff x="5162532" y="461052"/>
-            <a:chExt cx="472541" cy="794067"/>
-          </a:xfrm>
-        </p:grpSpPr>
-        <p:sp>
-          <p:nvSpPr>
-            <p:cNvPr id="31" name="Oval 30">
-              <a:extLst>
-                <a:ext uri="{FF2B5EF4-FFF2-40B4-BE49-F238E27FC236}">
-                  <a16:creationId xmlns:a16="http://schemas.microsoft.com/office/drawing/2014/main" id="{747A4008-5688-408D-8720-CE887A3EC18B}"/>
+                  <a16:creationId xmlns:a16="http://schemas.microsoft.com/office/drawing/2014/main" id="{8BDC7CB2-917F-E913-A3A1-631FC52040DF}"/>
                 </a:ext>
               </a:extLst>
             </p:cNvPr>
@@ -4123,22 +4406,22 @@
             <a:p>
               <a:pPr algn="ctr"/>
               <a:r>
-                <a:rPr lang="en-US" sz="2100" dirty="0">
+                <a:rPr lang="en-US" sz="1600" dirty="0">
                   <a:solidFill>
                     <a:schemeClr val="tx1"/>
                   </a:solidFill>
                 </a:rPr>
-                <a:t>D</a:t>
+                <a:t>0</a:t>
               </a:r>
             </a:p>
           </p:txBody>
         </p:sp>
         <p:grpSp>
           <p:nvGrpSpPr>
-            <p:cNvPr id="32" name="Group 31">
+            <p:cNvPr id="59" name="Group 58">
               <a:extLst>
                 <a:ext uri="{FF2B5EF4-FFF2-40B4-BE49-F238E27FC236}">
-                  <a16:creationId xmlns:a16="http://schemas.microsoft.com/office/drawing/2014/main" id="{401E4018-D036-4C67-8F84-DB178A91B340}"/>
+                  <a16:creationId xmlns:a16="http://schemas.microsoft.com/office/drawing/2014/main" id="{F7B4E2CA-5406-CE55-3808-974862FB2C25}"/>
                 </a:ext>
               </a:extLst>
             </p:cNvPr>
@@ -4147,18 +4430,18 @@
           </p:nvGrpSpPr>
           <p:grpSpPr>
             <a:xfrm>
-              <a:off x="5162532" y="795619"/>
-              <a:ext cx="472541" cy="459500"/>
-              <a:chOff x="5162532" y="795619"/>
-              <a:chExt cx="472541" cy="459500"/>
+              <a:off x="2447100" y="795619"/>
+              <a:ext cx="5938520" cy="634677"/>
+              <a:chOff x="2447100" y="795619"/>
+              <a:chExt cx="5938520" cy="634677"/>
             </a:xfrm>
           </p:grpSpPr>
           <p:sp>
             <p:nvSpPr>
-              <p:cNvPr id="33" name="Arrow: U-Turn 32">
+              <p:cNvPr id="60" name="Arrow: U-Turn 59">
                 <a:extLst>
                   <a:ext uri="{FF2B5EF4-FFF2-40B4-BE49-F238E27FC236}">
-                    <a16:creationId xmlns:a16="http://schemas.microsoft.com/office/drawing/2014/main" id="{3C127F8E-AA0A-4C02-BD8B-4133ECFFDBC1}"/>
+                    <a16:creationId xmlns:a16="http://schemas.microsoft.com/office/drawing/2014/main" id="{056B888C-C698-FF35-E060-483F4C4475EF}"/>
                   </a:ext>
                 </a:extLst>
               </p:cNvPr>
@@ -4209,7 +4492,7 @@
               <a:lstStyle/>
               <a:p>
                 <a:pPr algn="ctr"/>
-                <a:endParaRPr lang="en-US" sz="2363" dirty="0">
+                <a:endParaRPr lang="en-US" dirty="0">
                   <a:solidFill>
                     <a:schemeClr val="tx1"/>
                   </a:solidFill>
@@ -4219,10 +4502,10 @@
           </p:sp>
           <p:sp>
             <p:nvSpPr>
-              <p:cNvPr id="34" name="TextBox 33">
+              <p:cNvPr id="61" name="TextBox 60">
                 <a:extLst>
                   <a:ext uri="{FF2B5EF4-FFF2-40B4-BE49-F238E27FC236}">
-                    <a16:creationId xmlns:a16="http://schemas.microsoft.com/office/drawing/2014/main" id="{A63FC893-F33C-4D60-89F8-5C98071484F5}"/>
+                    <a16:creationId xmlns:a16="http://schemas.microsoft.com/office/drawing/2014/main" id="{1834FEB2-5334-7CB9-B4C6-DDAA99470B87}"/>
                   </a:ext>
                 </a:extLst>
               </p:cNvPr>
@@ -4231,8 +4514,8 @@
             </p:nvSpPr>
             <p:spPr>
               <a:xfrm>
-                <a:off x="5162532" y="997173"/>
-                <a:ext cx="472541" cy="257946"/>
+                <a:off x="2447100" y="1060964"/>
+                <a:ext cx="5938520" cy="369332"/>
               </a:xfrm>
               <a:prstGeom prst="rect">
                 <a:avLst/>
@@ -4246,674 +4529,32 @@
               <a:lstStyle/>
               <a:p>
                 <a:r>
-                  <a:rPr lang="en-US" sz="1600" b="1" dirty="0"/>
-                  <a:t>[0-9]</a:t>
+                  <a:rPr lang="pt-BR" sz="900" b="1" i="0" dirty="0">
+                    <a:solidFill>
+                      <a:srgbClr val="000000"/>
+                    </a:solidFill>
+                    <a:effectLst/>
+                    <a:latin typeface="MicrosoftYaHei-Bold"/>
+                  </a:rPr>
+                  <a:t>0,1,2,3,4,5,6,7,8,9,A,B,C,E,F,G,H,I,J,K,L,M,N,O,P,Q,R,S,T,U,V,W,X,Y,Z,_,a,b,c,d,e,f,g,h,i,j,k,l,m,n,o,p,q,r,s,t,u,v,w,x,y,z</a:t>
                 </a:r>
+                <a:r>
+                  <a:rPr lang="pt-BR" sz="900" dirty="0"/>
+                  <a:t> </a:t>
+                </a:r>
+                <a:br>
+                  <a:rPr lang="pt-BR" sz="900" dirty="0"/>
+                </a:br>
+                <a:endParaRPr lang="en-US" sz="900" b="1" dirty="0"/>
               </a:p>
             </p:txBody>
           </p:sp>
         </p:grpSp>
       </p:grpSp>
-      <p:sp>
-        <p:nvSpPr>
-          <p:cNvPr id="35" name="Oval 34">
-            <a:extLst>
-              <a:ext uri="{FF2B5EF4-FFF2-40B4-BE49-F238E27FC236}">
-                <a16:creationId xmlns:a16="http://schemas.microsoft.com/office/drawing/2014/main" id="{DA18B04B-92B9-4F8F-8FDE-923DC37007DF}"/>
-              </a:ext>
-            </a:extLst>
-          </p:cNvPr>
-          <p:cNvSpPr/>
-          <p:nvPr/>
-        </p:nvSpPr>
-        <p:spPr>
-          <a:xfrm>
-            <a:off x="2770161" y="3009297"/>
-            <a:ext cx="480060" cy="480060"/>
-          </a:xfrm>
-          <a:prstGeom prst="ellipse">
-            <a:avLst/>
-          </a:prstGeom>
-          <a:noFill/>
-          <a:ln w="34925" cmpd="dbl"/>
-        </p:spPr>
-        <p:style>
-          <a:lnRef idx="2">
-            <a:schemeClr val="dk1">
-              <a:shade val="50000"/>
-            </a:schemeClr>
-          </a:lnRef>
-          <a:fillRef idx="1">
-            <a:schemeClr val="dk1"/>
-          </a:fillRef>
-          <a:effectRef idx="0">
-            <a:schemeClr val="dk1"/>
-          </a:effectRef>
-          <a:fontRef idx="minor">
-            <a:schemeClr val="lt1"/>
-          </a:fontRef>
-        </p:style>
-        <p:txBody>
-          <a:bodyPr rtlCol="0" anchor="ctr"/>
-          <a:lstStyle/>
-          <a:p>
-            <a:pPr algn="ctr"/>
-            <a:r>
-              <a:rPr lang="en-US" sz="2100" dirty="0">
-                <a:solidFill>
-                  <a:schemeClr val="tx1"/>
-                </a:solidFill>
-              </a:rPr>
-              <a:t>B</a:t>
-            </a:r>
-          </a:p>
-        </p:txBody>
-      </p:sp>
-      <p:grpSp>
-        <p:nvGrpSpPr>
-          <p:cNvPr id="38" name="Group 37">
-            <a:extLst>
-              <a:ext uri="{FF2B5EF4-FFF2-40B4-BE49-F238E27FC236}">
-                <a16:creationId xmlns:a16="http://schemas.microsoft.com/office/drawing/2014/main" id="{5C1F106E-697D-4C75-ADD6-70F6221099EA}"/>
-              </a:ext>
-            </a:extLst>
-          </p:cNvPr>
-          <p:cNvGrpSpPr/>
-          <p:nvPr/>
-        </p:nvGrpSpPr>
-        <p:grpSpPr>
-          <a:xfrm>
-            <a:off x="4704843" y="4060886"/>
-            <a:ext cx="1076193" cy="1042213"/>
-            <a:chOff x="5162531" y="461052"/>
-            <a:chExt cx="819957" cy="794067"/>
-          </a:xfrm>
-        </p:grpSpPr>
-        <p:sp>
-          <p:nvSpPr>
-            <p:cNvPr id="39" name="Oval 38">
-              <a:extLst>
-                <a:ext uri="{FF2B5EF4-FFF2-40B4-BE49-F238E27FC236}">
-                  <a16:creationId xmlns:a16="http://schemas.microsoft.com/office/drawing/2014/main" id="{9938FCA8-7454-4FF3-B0B0-8D26276086A4}"/>
-                </a:ext>
-              </a:extLst>
-            </p:cNvPr>
-            <p:cNvSpPr/>
-            <p:nvPr/>
-          </p:nvSpPr>
-          <p:spPr>
-            <a:xfrm>
-              <a:off x="5215922" y="461052"/>
-              <a:ext cx="365760" cy="365760"/>
-            </a:xfrm>
-            <a:prstGeom prst="ellipse">
-              <a:avLst/>
-            </a:prstGeom>
-            <a:noFill/>
-            <a:ln w="34925" cmpd="dbl">
-              <a:solidFill>
-                <a:schemeClr val="dk1">
-                  <a:shade val="50000"/>
-                </a:schemeClr>
-              </a:solidFill>
-            </a:ln>
-          </p:spPr>
-          <p:style>
-            <a:lnRef idx="2">
-              <a:schemeClr val="dk1">
-                <a:shade val="50000"/>
-              </a:schemeClr>
-            </a:lnRef>
-            <a:fillRef idx="1">
-              <a:schemeClr val="dk1"/>
-            </a:fillRef>
-            <a:effectRef idx="0">
-              <a:schemeClr val="dk1"/>
-            </a:effectRef>
-            <a:fontRef idx="minor">
-              <a:schemeClr val="lt1"/>
-            </a:fontRef>
-          </p:style>
-          <p:txBody>
-            <a:bodyPr rtlCol="0" anchor="ctr"/>
-            <a:lstStyle/>
-            <a:p>
-              <a:pPr algn="ctr"/>
-              <a:r>
-                <a:rPr lang="en-US" sz="2100" dirty="0">
-                  <a:solidFill>
-                    <a:schemeClr val="tx1"/>
-                  </a:solidFill>
-                </a:rPr>
-                <a:t>C</a:t>
-              </a:r>
-            </a:p>
-          </p:txBody>
-        </p:sp>
-        <p:grpSp>
-          <p:nvGrpSpPr>
-            <p:cNvPr id="43" name="Group 42">
-              <a:extLst>
-                <a:ext uri="{FF2B5EF4-FFF2-40B4-BE49-F238E27FC236}">
-                  <a16:creationId xmlns:a16="http://schemas.microsoft.com/office/drawing/2014/main" id="{E2D78063-BC57-4EF8-A239-0BCAB2CCB1E4}"/>
-                </a:ext>
-              </a:extLst>
-            </p:cNvPr>
-            <p:cNvGrpSpPr/>
-            <p:nvPr/>
-          </p:nvGrpSpPr>
-          <p:grpSpPr>
-            <a:xfrm>
-              <a:off x="5162531" y="795619"/>
-              <a:ext cx="819957" cy="459500"/>
-              <a:chOff x="5162531" y="795619"/>
-              <a:chExt cx="819957" cy="459500"/>
-            </a:xfrm>
-          </p:grpSpPr>
-          <p:sp>
-            <p:nvSpPr>
-              <p:cNvPr id="44" name="Arrow: U-Turn 43">
-                <a:extLst>
-                  <a:ext uri="{FF2B5EF4-FFF2-40B4-BE49-F238E27FC236}">
-                    <a16:creationId xmlns:a16="http://schemas.microsoft.com/office/drawing/2014/main" id="{2DB5FE05-CDE0-464E-8F76-1FFC69931B4E}"/>
-                  </a:ext>
-                </a:extLst>
-              </p:cNvPr>
-              <p:cNvSpPr/>
-              <p:nvPr/>
-            </p:nvSpPr>
-            <p:spPr>
-              <a:xfrm rot="10800000" flipH="1">
-                <a:off x="5272578" y="795619"/>
-                <a:ext cx="287565" cy="211455"/>
-              </a:xfrm>
-              <a:prstGeom prst="uturnArrow">
-                <a:avLst>
-                  <a:gd name="adj1" fmla="val 0"/>
-                  <a:gd name="adj2" fmla="val 8510"/>
-                  <a:gd name="adj3" fmla="val 16361"/>
-                  <a:gd name="adj4" fmla="val 71710"/>
-                  <a:gd name="adj5" fmla="val 100000"/>
-                </a:avLst>
-              </a:prstGeom>
-              <a:solidFill>
-                <a:schemeClr val="tx1"/>
-              </a:solidFill>
-              <a:ln w="12700">
-                <a:solidFill>
-                  <a:schemeClr val="tx1"/>
-                </a:solidFill>
-              </a:ln>
-            </p:spPr>
-            <p:style>
-              <a:lnRef idx="2">
-                <a:schemeClr val="accent1">
-                  <a:shade val="50000"/>
-                </a:schemeClr>
-              </a:lnRef>
-              <a:fillRef idx="1">
-                <a:schemeClr val="accent1"/>
-              </a:fillRef>
-              <a:effectRef idx="0">
-                <a:schemeClr val="accent1"/>
-              </a:effectRef>
-              <a:fontRef idx="minor">
-                <a:schemeClr val="lt1"/>
-              </a:fontRef>
-            </p:style>
-            <p:txBody>
-              <a:bodyPr rtlCol="0" anchor="ctr"/>
-              <a:lstStyle/>
-              <a:p>
-                <a:pPr algn="ctr"/>
-                <a:endParaRPr lang="en-US" sz="2363" dirty="0">
-                  <a:solidFill>
-                    <a:schemeClr val="tx1"/>
-                  </a:solidFill>
-                </a:endParaRPr>
-              </a:p>
-            </p:txBody>
-          </p:sp>
-          <p:sp>
-            <p:nvSpPr>
-              <p:cNvPr id="45" name="TextBox 44">
-                <a:extLst>
-                  <a:ext uri="{FF2B5EF4-FFF2-40B4-BE49-F238E27FC236}">
-                    <a16:creationId xmlns:a16="http://schemas.microsoft.com/office/drawing/2014/main" id="{9AF509EC-FBEC-47DD-A00C-6CAF9F5B718B}"/>
-                  </a:ext>
-                </a:extLst>
-              </p:cNvPr>
-              <p:cNvSpPr txBox="1"/>
-              <p:nvPr/>
-            </p:nvSpPr>
-            <p:spPr>
-              <a:xfrm>
-                <a:off x="5162531" y="997173"/>
-                <a:ext cx="819957" cy="257946"/>
-              </a:xfrm>
-              <a:prstGeom prst="rect">
-                <a:avLst/>
-              </a:prstGeom>
-              <a:noFill/>
-            </p:spPr>
-            <p:txBody>
-              <a:bodyPr wrap="square" rtlCol="0">
-                <a:spAutoFit/>
-              </a:bodyPr>
-              <a:lstStyle/>
-              <a:p>
-                <a:r>
-                  <a:rPr lang="en-US" sz="1600" dirty="0"/>
-                  <a:t>[A-Za-z_]</a:t>
-                </a:r>
-                <a:endParaRPr lang="en-US" sz="1600" b="1" dirty="0"/>
-              </a:p>
-            </p:txBody>
-          </p:sp>
-        </p:grpSp>
-      </p:grpSp>
-      <p:grpSp>
-        <p:nvGrpSpPr>
-          <p:cNvPr id="46" name="Group 45">
-            <a:extLst>
-              <a:ext uri="{FF2B5EF4-FFF2-40B4-BE49-F238E27FC236}">
-                <a16:creationId xmlns:a16="http://schemas.microsoft.com/office/drawing/2014/main" id="{7423F024-21EA-4744-BD34-987AD7280279}"/>
-              </a:ext>
-            </a:extLst>
-          </p:cNvPr>
-          <p:cNvGrpSpPr/>
-          <p:nvPr/>
-        </p:nvGrpSpPr>
-        <p:grpSpPr>
-          <a:xfrm>
-            <a:off x="5014951" y="2969955"/>
-            <a:ext cx="1778126" cy="1090930"/>
-            <a:chOff x="2177541" y="2006559"/>
-            <a:chExt cx="1354762" cy="831187"/>
-          </a:xfrm>
-        </p:grpSpPr>
-        <p:cxnSp>
-          <p:nvCxnSpPr>
-            <p:cNvPr id="47" name="Straight Arrow Connector 46">
-              <a:extLst>
-                <a:ext uri="{FF2B5EF4-FFF2-40B4-BE49-F238E27FC236}">
-                  <a16:creationId xmlns:a16="http://schemas.microsoft.com/office/drawing/2014/main" id="{71D76A46-F719-4A3F-B76D-854F815C8C54}"/>
-                </a:ext>
-              </a:extLst>
-            </p:cNvPr>
-            <p:cNvCxnSpPr>
-              <a:cxnSpLocks/>
-              <a:stCxn id="31" idx="2"/>
-              <a:endCxn id="39" idx="0"/>
-            </p:cNvCxnSpPr>
-            <p:nvPr/>
-          </p:nvCxnSpPr>
-          <p:spPr>
-            <a:xfrm flipH="1">
-              <a:off x="2177541" y="2006559"/>
-              <a:ext cx="1354762" cy="831187"/>
-            </a:xfrm>
-            <a:prstGeom prst="straightConnector1">
-              <a:avLst/>
-            </a:prstGeom>
-            <a:ln w="9525">
-              <a:tailEnd type="triangle"/>
-            </a:ln>
-          </p:spPr>
-          <p:style>
-            <a:lnRef idx="1">
-              <a:schemeClr val="dk1"/>
-            </a:lnRef>
-            <a:fillRef idx="0">
-              <a:schemeClr val="dk1"/>
-            </a:fillRef>
-            <a:effectRef idx="0">
-              <a:schemeClr val="dk1"/>
-            </a:effectRef>
-            <a:fontRef idx="minor">
-              <a:schemeClr val="tx1"/>
-            </a:fontRef>
-          </p:style>
-        </p:cxnSp>
-        <p:sp>
-          <p:nvSpPr>
-            <p:cNvPr id="48" name="TextBox 47">
-              <a:extLst>
-                <a:ext uri="{FF2B5EF4-FFF2-40B4-BE49-F238E27FC236}">
-                  <a16:creationId xmlns:a16="http://schemas.microsoft.com/office/drawing/2014/main" id="{3A34E7C7-8079-45AA-9CD7-43B8F4F3FDE8}"/>
-                </a:ext>
-              </a:extLst>
-            </p:cNvPr>
-            <p:cNvSpPr txBox="1"/>
-            <p:nvPr/>
-          </p:nvSpPr>
-          <p:spPr>
-            <a:xfrm rot="19615307">
-              <a:off x="2502222" y="2148755"/>
-              <a:ext cx="631944" cy="234497"/>
-            </a:xfrm>
-            <a:prstGeom prst="rect">
-              <a:avLst/>
-            </a:prstGeom>
-            <a:noFill/>
-          </p:spPr>
-          <p:txBody>
-            <a:bodyPr wrap="square" rtlCol="0">
-              <a:spAutoFit/>
-            </a:bodyPr>
-            <a:lstStyle/>
-            <a:p>
-              <a:r>
-                <a:rPr lang="en-US" sz="1400" dirty="0"/>
-                <a:t>[A-Za-z_]</a:t>
-              </a:r>
-              <a:endParaRPr lang="en-US" sz="1200" b="1" dirty="0"/>
-            </a:p>
-          </p:txBody>
-        </p:sp>
-      </p:grpSp>
-      <p:grpSp>
-        <p:nvGrpSpPr>
-          <p:cNvPr id="49" name="Group 48">
-            <a:extLst>
-              <a:ext uri="{FF2B5EF4-FFF2-40B4-BE49-F238E27FC236}">
-                <a16:creationId xmlns:a16="http://schemas.microsoft.com/office/drawing/2014/main" id="{2C0AA54C-473E-4C67-8B3E-2CA8C014F643}"/>
-              </a:ext>
-            </a:extLst>
-          </p:cNvPr>
-          <p:cNvGrpSpPr/>
-          <p:nvPr/>
-        </p:nvGrpSpPr>
-        <p:grpSpPr>
-          <a:xfrm>
-            <a:off x="5254981" y="3139685"/>
-            <a:ext cx="1608399" cy="1161233"/>
-            <a:chOff x="2620142" y="1078578"/>
-            <a:chExt cx="1225447" cy="884753"/>
-          </a:xfrm>
-        </p:grpSpPr>
-        <p:cxnSp>
-          <p:nvCxnSpPr>
-            <p:cNvPr id="53" name="Straight Arrow Connector 52">
-              <a:extLst>
-                <a:ext uri="{FF2B5EF4-FFF2-40B4-BE49-F238E27FC236}">
-                  <a16:creationId xmlns:a16="http://schemas.microsoft.com/office/drawing/2014/main" id="{A3D415A5-6AF8-4A95-9DB8-6A31BC159C74}"/>
-                </a:ext>
-              </a:extLst>
-            </p:cNvPr>
-            <p:cNvCxnSpPr>
-              <a:cxnSpLocks/>
-              <a:stCxn id="39" idx="6"/>
-              <a:endCxn id="31" idx="3"/>
-            </p:cNvCxnSpPr>
-            <p:nvPr/>
-          </p:nvCxnSpPr>
-          <p:spPr>
-            <a:xfrm flipV="1">
-              <a:off x="2620142" y="1078578"/>
-              <a:ext cx="1225447" cy="884753"/>
-            </a:xfrm>
-            <a:prstGeom prst="straightConnector1">
-              <a:avLst/>
-            </a:prstGeom>
-            <a:ln w="9525">
-              <a:tailEnd type="triangle"/>
-            </a:ln>
-          </p:spPr>
-          <p:style>
-            <a:lnRef idx="1">
-              <a:schemeClr val="dk1"/>
-            </a:lnRef>
-            <a:fillRef idx="0">
-              <a:schemeClr val="dk1"/>
-            </a:fillRef>
-            <a:effectRef idx="0">
-              <a:schemeClr val="dk1"/>
-            </a:effectRef>
-            <a:fontRef idx="minor">
-              <a:schemeClr val="tx1"/>
-            </a:fontRef>
-          </p:style>
-        </p:cxnSp>
-        <p:sp>
-          <p:nvSpPr>
-            <p:cNvPr id="54" name="TextBox 53">
-              <a:extLst>
-                <a:ext uri="{FF2B5EF4-FFF2-40B4-BE49-F238E27FC236}">
-                  <a16:creationId xmlns:a16="http://schemas.microsoft.com/office/drawing/2014/main" id="{3940EA1B-D257-4042-A8E0-1D93B6213AAD}"/>
-                </a:ext>
-              </a:extLst>
-            </p:cNvPr>
-            <p:cNvSpPr txBox="1"/>
-            <p:nvPr/>
-          </p:nvSpPr>
-          <p:spPr>
-            <a:xfrm rot="19311997">
-              <a:off x="3157617" y="1627382"/>
-              <a:ext cx="472541" cy="257947"/>
-            </a:xfrm>
-            <a:prstGeom prst="rect">
-              <a:avLst/>
-            </a:prstGeom>
-            <a:noFill/>
-          </p:spPr>
-          <p:txBody>
-            <a:bodyPr wrap="square" rtlCol="0">
-              <a:spAutoFit/>
-            </a:bodyPr>
-            <a:lstStyle/>
-            <a:p>
-              <a:r>
-                <a:rPr lang="en-US" sz="1600" b="1" dirty="0"/>
-                <a:t>[0-9]</a:t>
-              </a:r>
-            </a:p>
-          </p:txBody>
-        </p:sp>
-      </p:grpSp>
-      <p:grpSp>
-        <p:nvGrpSpPr>
-          <p:cNvPr id="55" name="Group 54">
-            <a:extLst>
-              <a:ext uri="{FF2B5EF4-FFF2-40B4-BE49-F238E27FC236}">
-                <a16:creationId xmlns:a16="http://schemas.microsoft.com/office/drawing/2014/main" id="{53FA925B-0A24-4D73-B4E8-52CFE8129436}"/>
-              </a:ext>
-            </a:extLst>
-          </p:cNvPr>
-          <p:cNvGrpSpPr/>
-          <p:nvPr/>
-        </p:nvGrpSpPr>
-        <p:grpSpPr>
-          <a:xfrm>
-            <a:off x="3179918" y="3419052"/>
-            <a:ext cx="1595003" cy="894156"/>
-            <a:chOff x="2365412" y="1845994"/>
-            <a:chExt cx="1215240" cy="681263"/>
-          </a:xfrm>
-        </p:grpSpPr>
-        <p:cxnSp>
-          <p:nvCxnSpPr>
-            <p:cNvPr id="58" name="Straight Arrow Connector 57">
-              <a:extLst>
-                <a:ext uri="{FF2B5EF4-FFF2-40B4-BE49-F238E27FC236}">
-                  <a16:creationId xmlns:a16="http://schemas.microsoft.com/office/drawing/2014/main" id="{5921D1B0-334B-4F50-8F72-7421EF4B7D9F}"/>
-                </a:ext>
-              </a:extLst>
-            </p:cNvPr>
-            <p:cNvCxnSpPr>
-              <a:cxnSpLocks/>
-              <a:stCxn id="35" idx="5"/>
-              <a:endCxn id="39" idx="2"/>
-            </p:cNvCxnSpPr>
-            <p:nvPr/>
-          </p:nvCxnSpPr>
-          <p:spPr>
-            <a:xfrm>
-              <a:off x="2365411" y="1845994"/>
-              <a:ext cx="1215240" cy="671896"/>
-            </a:xfrm>
-            <a:prstGeom prst="straightConnector1">
-              <a:avLst/>
-            </a:prstGeom>
-            <a:ln w="9525">
-              <a:tailEnd type="triangle"/>
-            </a:ln>
-          </p:spPr>
-          <p:style>
-            <a:lnRef idx="1">
-              <a:schemeClr val="dk1"/>
-            </a:lnRef>
-            <a:fillRef idx="0">
-              <a:schemeClr val="dk1"/>
-            </a:fillRef>
-            <a:effectRef idx="0">
-              <a:schemeClr val="dk1"/>
-            </a:effectRef>
-            <a:fontRef idx="minor">
-              <a:schemeClr val="tx1"/>
-            </a:fontRef>
-          </p:style>
-        </p:cxnSp>
-        <p:sp>
-          <p:nvSpPr>
-            <p:cNvPr id="65" name="TextBox 64">
-              <a:extLst>
-                <a:ext uri="{FF2B5EF4-FFF2-40B4-BE49-F238E27FC236}">
-                  <a16:creationId xmlns:a16="http://schemas.microsoft.com/office/drawing/2014/main" id="{7AA69FA3-0E40-4752-8AB8-06F48B731386}"/>
-                </a:ext>
-              </a:extLst>
-            </p:cNvPr>
-            <p:cNvSpPr txBox="1"/>
-            <p:nvPr/>
-          </p:nvSpPr>
-          <p:spPr>
-            <a:xfrm>
-              <a:off x="2618663" y="2292760"/>
-              <a:ext cx="639479" cy="234497"/>
-            </a:xfrm>
-            <a:prstGeom prst="rect">
-              <a:avLst/>
-            </a:prstGeom>
-            <a:noFill/>
-          </p:spPr>
-          <p:txBody>
-            <a:bodyPr wrap="square" rtlCol="0">
-              <a:spAutoFit/>
-            </a:bodyPr>
-            <a:lstStyle/>
-            <a:p>
-              <a:r>
-                <a:rPr lang="en-US" sz="1400" dirty="0"/>
-                <a:t>[A-Za-z_]</a:t>
-              </a:r>
-              <a:endParaRPr lang="en-US" sz="1200" b="1" dirty="0"/>
-            </a:p>
-          </p:txBody>
-        </p:sp>
-      </p:grpSp>
-      <p:grpSp>
-        <p:nvGrpSpPr>
-          <p:cNvPr id="67" name="Group 66">
-            <a:extLst>
-              <a:ext uri="{FF2B5EF4-FFF2-40B4-BE49-F238E27FC236}">
-                <a16:creationId xmlns:a16="http://schemas.microsoft.com/office/drawing/2014/main" id="{6C761390-06CE-451B-BEE8-B5C4A9D577EF}"/>
-              </a:ext>
-            </a:extLst>
-          </p:cNvPr>
-          <p:cNvGrpSpPr/>
-          <p:nvPr/>
-        </p:nvGrpSpPr>
-        <p:grpSpPr>
-          <a:xfrm>
-            <a:off x="3010191" y="2800234"/>
-            <a:ext cx="3853189" cy="451515"/>
-            <a:chOff x="1932294" y="2280242"/>
-            <a:chExt cx="2935762" cy="344012"/>
-          </a:xfrm>
-        </p:grpSpPr>
-        <p:cxnSp>
-          <p:nvCxnSpPr>
-            <p:cNvPr id="68" name="Straight Arrow Connector 67">
-              <a:extLst>
-                <a:ext uri="{FF2B5EF4-FFF2-40B4-BE49-F238E27FC236}">
-                  <a16:creationId xmlns:a16="http://schemas.microsoft.com/office/drawing/2014/main" id="{405EBAFD-7EC1-46EC-BA97-E805D69512AA}"/>
-                </a:ext>
-              </a:extLst>
-            </p:cNvPr>
-            <p:cNvCxnSpPr>
-              <a:cxnSpLocks/>
-              <a:stCxn id="35" idx="0"/>
-              <a:endCxn id="31" idx="1"/>
-            </p:cNvCxnSpPr>
-            <p:nvPr/>
-          </p:nvCxnSpPr>
-          <p:spPr>
-            <a:xfrm flipV="1">
-              <a:off x="1932294" y="2280242"/>
-              <a:ext cx="2935762" cy="159290"/>
-            </a:xfrm>
-            <a:prstGeom prst="straightConnector1">
-              <a:avLst/>
-            </a:prstGeom>
-            <a:ln w="9525">
-              <a:tailEnd type="triangle"/>
-            </a:ln>
-          </p:spPr>
-          <p:style>
-            <a:lnRef idx="1">
-              <a:schemeClr val="dk1"/>
-            </a:lnRef>
-            <a:fillRef idx="0">
-              <a:schemeClr val="dk1"/>
-            </a:fillRef>
-            <a:effectRef idx="0">
-              <a:schemeClr val="dk1"/>
-            </a:effectRef>
-            <a:fontRef idx="minor">
-              <a:schemeClr val="tx1"/>
-            </a:fontRef>
-          </p:style>
-        </p:cxnSp>
-        <p:sp>
-          <p:nvSpPr>
-            <p:cNvPr id="69" name="TextBox 68">
-              <a:extLst>
-                <a:ext uri="{FF2B5EF4-FFF2-40B4-BE49-F238E27FC236}">
-                  <a16:creationId xmlns:a16="http://schemas.microsoft.com/office/drawing/2014/main" id="{491CB5CF-F107-42BD-AC47-8383903DC651}"/>
-                </a:ext>
-              </a:extLst>
-            </p:cNvPr>
-            <p:cNvSpPr txBox="1"/>
-            <p:nvPr/>
-          </p:nvSpPr>
-          <p:spPr>
-            <a:xfrm>
-              <a:off x="3103535" y="2366308"/>
-              <a:ext cx="482312" cy="257946"/>
-            </a:xfrm>
-            <a:prstGeom prst="rect">
-              <a:avLst/>
-            </a:prstGeom>
-            <a:noFill/>
-          </p:spPr>
-          <p:txBody>
-            <a:bodyPr wrap="square" rtlCol="0">
-              <a:spAutoFit/>
-            </a:bodyPr>
-            <a:lstStyle/>
-            <a:p>
-              <a:r>
-                <a:rPr lang="en-US" sz="1600" b="1" dirty="0"/>
-                <a:t>[0-9]</a:t>
-              </a:r>
-            </a:p>
-          </p:txBody>
-        </p:sp>
-      </p:grpSp>
     </p:spTree>
     <p:extLst>
       <p:ext uri="{BB962C8B-B14F-4D97-AF65-F5344CB8AC3E}">
-        <p14:creationId xmlns:p14="http://schemas.microsoft.com/office/powerpoint/2010/main" val="2286304767"/>
+        <p14:creationId xmlns:p14="http://schemas.microsoft.com/office/powerpoint/2010/main" val="174225236"/>
       </p:ext>
     </p:extLst>
   </p:cSld>
@@ -4926,7 +4567,7 @@
 <file path=ppt/theme/theme1.xml><?xml version="1.0" encoding="utf-8"?>
 <a:theme xmlns:a="http://schemas.openxmlformats.org/drawingml/2006/main" name="Office Theme">
   <a:themeElements>
-    <a:clrScheme name="Office Theme">
+    <a:clrScheme name="Office">
       <a:dk1>
         <a:sysClr val="windowText" lastClr="000000"/>
       </a:dk1>
@@ -4964,7 +4605,7 @@
         <a:srgbClr val="954F72"/>
       </a:folHlink>
     </a:clrScheme>
-    <a:fontScheme name="Office Theme">
+    <a:fontScheme name="Office">
       <a:majorFont>
         <a:latin typeface="Calibri Light" panose="020F0302020204030204"/>
         <a:ea typeface=""/>
@@ -4999,6 +4640,23 @@
         <a:font script="Viet" typeface="Times New Roman"/>
         <a:font script="Uigh" typeface="Microsoft Uighur"/>
         <a:font script="Geor" typeface="Sylfaen"/>
+        <a:font script="Armn" typeface="Arial"/>
+        <a:font script="Bugi" typeface="Leelawadee UI"/>
+        <a:font script="Bopo" typeface="Microsoft JhengHei"/>
+        <a:font script="Java" typeface="Javanese Text"/>
+        <a:font script="Lisu" typeface="Segoe UI"/>
+        <a:font script="Mymr" typeface="Myanmar Text"/>
+        <a:font script="Nkoo" typeface="Ebrima"/>
+        <a:font script="Olck" typeface="Nirmala UI"/>
+        <a:font script="Osma" typeface="Ebrima"/>
+        <a:font script="Phag" typeface="Phagspa"/>
+        <a:font script="Syrn" typeface="Estrangelo Edessa"/>
+        <a:font script="Syrj" typeface="Estrangelo Edessa"/>
+        <a:font script="Syre" typeface="Estrangelo Edessa"/>
+        <a:font script="Sora" typeface="Nirmala UI"/>
+        <a:font script="Tale" typeface="Microsoft Tai Le"/>
+        <a:font script="Talu" typeface="Microsoft New Tai Lue"/>
+        <a:font script="Tfng" typeface="Ebrima"/>
       </a:majorFont>
       <a:minorFont>
         <a:latin typeface="Calibri" panose="020F0502020204030204"/>
@@ -5034,9 +4692,26 @@
         <a:font script="Viet" typeface="Arial"/>
         <a:font script="Uigh" typeface="Microsoft Uighur"/>
         <a:font script="Geor" typeface="Sylfaen"/>
+        <a:font script="Armn" typeface="Arial"/>
+        <a:font script="Bugi" typeface="Leelawadee UI"/>
+        <a:font script="Bopo" typeface="Microsoft JhengHei"/>
+        <a:font script="Java" typeface="Javanese Text"/>
+        <a:font script="Lisu" typeface="Segoe UI"/>
+        <a:font script="Mymr" typeface="Myanmar Text"/>
+        <a:font script="Nkoo" typeface="Ebrima"/>
+        <a:font script="Olck" typeface="Nirmala UI"/>
+        <a:font script="Osma" typeface="Ebrima"/>
+        <a:font script="Phag" typeface="Phagspa"/>
+        <a:font script="Syrn" typeface="Estrangelo Edessa"/>
+        <a:font script="Syrj" typeface="Estrangelo Edessa"/>
+        <a:font script="Syre" typeface="Estrangelo Edessa"/>
+        <a:font script="Sora" typeface="Nirmala UI"/>
+        <a:font script="Tale" typeface="Microsoft Tai Le"/>
+        <a:font script="Talu" typeface="Microsoft New Tai Lue"/>
+        <a:font script="Tfng" typeface="Ebrima"/>
       </a:minorFont>
     </a:fontScheme>
-    <a:fmtScheme name="Office Theme">
+    <a:fmtScheme name="Office">
       <a:fillStyleLst>
         <a:solidFill>
           <a:schemeClr val="phClr"/>
